--- a/Vue.pptx
+++ b/Vue.pptx
@@ -12,10 +12,10 @@
     <p:sldMasterId id="2147483696" r:id="rId11"/>
   </p:sldMasterIdLst>
   <p:notesMasterIdLst>
-    <p:notesMasterId r:id="rId29"/>
+    <p:notesMasterId r:id="rId39"/>
   </p:notesMasterIdLst>
   <p:handoutMasterIdLst>
-    <p:handoutMasterId r:id="rId30"/>
+    <p:handoutMasterId r:id="rId40"/>
   </p:handoutMasterIdLst>
   <p:sldIdLst>
     <p:sldId id="256" r:id="rId12"/>
@@ -34,7 +34,17 @@
     <p:sldId id="325" r:id="rId25"/>
     <p:sldId id="328" r:id="rId26"/>
     <p:sldId id="327" r:id="rId27"/>
-    <p:sldId id="272" r:id="rId28"/>
+    <p:sldId id="329" r:id="rId28"/>
+    <p:sldId id="330" r:id="rId29"/>
+    <p:sldId id="331" r:id="rId30"/>
+    <p:sldId id="332" r:id="rId31"/>
+    <p:sldId id="333" r:id="rId32"/>
+    <p:sldId id="334" r:id="rId33"/>
+    <p:sldId id="335" r:id="rId34"/>
+    <p:sldId id="336" r:id="rId35"/>
+    <p:sldId id="337" r:id="rId36"/>
+    <p:sldId id="338" r:id="rId37"/>
+    <p:sldId id="272" r:id="rId38"/>
   </p:sldIdLst>
   <p:sldSz cx="12192000" cy="6858000"/>
   <p:notesSz cx="6858000" cy="9144000"/>
@@ -3007,7 +3017,7 @@
           <a:p>
             <a:fld id="{1524C607-EC43-4D45-819C-01ED569A62A9}" type="datetimeFigureOut">
               <a:rPr lang="es-ES_tradnl" smtClean="0"/>
-              <a:t>25/10/2017</a:t>
+              <a:t>26/10/2017</a:t>
             </a:fld>
             <a:endParaRPr lang="es-ES_tradnl" dirty="0"/>
           </a:p>
@@ -3172,7 +3182,7 @@
           <a:p>
             <a:fld id="{26D2F09D-BAE4-494B-8CCF-2A216F98B43B}" type="datetimeFigureOut">
               <a:rPr lang="es-ES_tradnl" smtClean="0"/>
-              <a:t>25/10/2017</a:t>
+              <a:t>26/10/2017</a:t>
             </a:fld>
             <a:endParaRPr lang="es-ES_tradnl" dirty="0"/>
           </a:p>
@@ -3814,6 +3824,814 @@
 </p:notes>
 </file>
 
+<file path=ppt/notesSlides/notesSlide12.xml><?xml version="1.0" encoding="utf-8"?>
+<p:notes xmlns:a="http://schemas.openxmlformats.org/drawingml/2006/main" xmlns:r="http://schemas.openxmlformats.org/officeDocument/2006/relationships" xmlns:p="http://schemas.openxmlformats.org/presentationml/2006/main">
+  <p:cSld>
+    <p:spTree>
+      <p:nvGrpSpPr>
+        <p:cNvPr id="1" name=""/>
+        <p:cNvGrpSpPr/>
+        <p:nvPr/>
+      </p:nvGrpSpPr>
+      <p:grpSpPr>
+        <a:xfrm>
+          <a:off x="0" y="0"/>
+          <a:ext cx="0" cy="0"/>
+          <a:chOff x="0" y="0"/>
+          <a:chExt cx="0" cy="0"/>
+        </a:xfrm>
+      </p:grpSpPr>
+      <p:sp>
+        <p:nvSpPr>
+          <p:cNvPr id="2" name="Marcador de imagen de diapositiva 1"/>
+          <p:cNvSpPr>
+            <a:spLocks noGrp="1" noRot="1" noChangeAspect="1"/>
+          </p:cNvSpPr>
+          <p:nvPr>
+            <p:ph type="sldImg"/>
+          </p:nvPr>
+        </p:nvSpPr>
+        <p:spPr/>
+      </p:sp>
+      <p:sp>
+        <p:nvSpPr>
+          <p:cNvPr id="3" name="Marcador de notas 2"/>
+          <p:cNvSpPr>
+            <a:spLocks noGrp="1"/>
+          </p:cNvSpPr>
+          <p:nvPr>
+            <p:ph type="body" idx="1"/>
+          </p:nvPr>
+        </p:nvSpPr>
+        <p:spPr/>
+        <p:txBody>
+          <a:bodyPr/>
+          <a:lstStyle/>
+          <a:p>
+            <a:endParaRPr lang="en-US" dirty="0"/>
+          </a:p>
+        </p:txBody>
+      </p:sp>
+      <p:sp>
+        <p:nvSpPr>
+          <p:cNvPr id="4" name="Marcador de número de diapositiva 3"/>
+          <p:cNvSpPr>
+            <a:spLocks noGrp="1"/>
+          </p:cNvSpPr>
+          <p:nvPr>
+            <p:ph type="sldNum" sz="quarter" idx="10"/>
+          </p:nvPr>
+        </p:nvSpPr>
+        <p:spPr/>
+        <p:txBody>
+          <a:bodyPr/>
+          <a:lstStyle/>
+          <a:p>
+            <a:fld id="{2062F163-3063-474E-9A8A-E961A784F045}" type="slidenum">
+              <a:rPr lang="es-ES_tradnl" smtClean="0"/>
+              <a:t>15</a:t>
+            </a:fld>
+            <a:endParaRPr lang="es-ES_tradnl" dirty="0"/>
+          </a:p>
+        </p:txBody>
+      </p:sp>
+    </p:spTree>
+    <p:extLst>
+      <p:ext uri="{BB962C8B-B14F-4D97-AF65-F5344CB8AC3E}">
+        <p14:creationId xmlns:p14="http://schemas.microsoft.com/office/powerpoint/2010/main" val="940769396"/>
+      </p:ext>
+    </p:extLst>
+  </p:cSld>
+  <p:clrMapOvr>
+    <a:masterClrMapping/>
+  </p:clrMapOvr>
+</p:notes>
+</file>
+
+<file path=ppt/notesSlides/notesSlide13.xml><?xml version="1.0" encoding="utf-8"?>
+<p:notes xmlns:a="http://schemas.openxmlformats.org/drawingml/2006/main" xmlns:r="http://schemas.openxmlformats.org/officeDocument/2006/relationships" xmlns:p="http://schemas.openxmlformats.org/presentationml/2006/main">
+  <p:cSld>
+    <p:spTree>
+      <p:nvGrpSpPr>
+        <p:cNvPr id="1" name=""/>
+        <p:cNvGrpSpPr/>
+        <p:nvPr/>
+      </p:nvGrpSpPr>
+      <p:grpSpPr>
+        <a:xfrm>
+          <a:off x="0" y="0"/>
+          <a:ext cx="0" cy="0"/>
+          <a:chOff x="0" y="0"/>
+          <a:chExt cx="0" cy="0"/>
+        </a:xfrm>
+      </p:grpSpPr>
+      <p:sp>
+        <p:nvSpPr>
+          <p:cNvPr id="2" name="Marcador de imagen de diapositiva 1"/>
+          <p:cNvSpPr>
+            <a:spLocks noGrp="1" noRot="1" noChangeAspect="1"/>
+          </p:cNvSpPr>
+          <p:nvPr>
+            <p:ph type="sldImg"/>
+          </p:nvPr>
+        </p:nvSpPr>
+        <p:spPr/>
+      </p:sp>
+      <p:sp>
+        <p:nvSpPr>
+          <p:cNvPr id="3" name="Marcador de notas 2"/>
+          <p:cNvSpPr>
+            <a:spLocks noGrp="1"/>
+          </p:cNvSpPr>
+          <p:nvPr>
+            <p:ph type="body" idx="1"/>
+          </p:nvPr>
+        </p:nvSpPr>
+        <p:spPr/>
+        <p:txBody>
+          <a:bodyPr/>
+          <a:lstStyle/>
+          <a:p>
+            <a:r>
+              <a:rPr lang="es-ES" dirty="0"/>
+              <a:t>Una spa puede ser muy compleja eso implica </a:t>
+            </a:r>
+          </a:p>
+          <a:p>
+            <a:r>
+              <a:rPr lang="es-ES" dirty="0"/>
+              <a:t>Debemos estructurar bien los componentes</a:t>
+            </a:r>
+          </a:p>
+          <a:p>
+            <a:r>
+              <a:rPr lang="es-ES" dirty="0"/>
+              <a:t>Debemos separar la lógica de la aplicación de las vistas</a:t>
+            </a:r>
+          </a:p>
+          <a:p>
+            <a:r>
+              <a:rPr lang="es-ES" dirty="0"/>
+              <a:t>Debemos tener nuestra propia </a:t>
+            </a:r>
+            <a:r>
+              <a:rPr lang="es-ES" dirty="0" err="1"/>
+              <a:t>capaa</a:t>
+            </a:r>
+            <a:r>
+              <a:rPr lang="es-ES" dirty="0"/>
+              <a:t> de acceso a datos</a:t>
+            </a:r>
+          </a:p>
+          <a:p>
+            <a:endParaRPr lang="en-US" dirty="0"/>
+          </a:p>
+        </p:txBody>
+      </p:sp>
+      <p:sp>
+        <p:nvSpPr>
+          <p:cNvPr id="4" name="Marcador de número de diapositiva 3"/>
+          <p:cNvSpPr>
+            <a:spLocks noGrp="1"/>
+          </p:cNvSpPr>
+          <p:nvPr>
+            <p:ph type="sldNum" sz="quarter" idx="10"/>
+          </p:nvPr>
+        </p:nvSpPr>
+        <p:spPr/>
+        <p:txBody>
+          <a:bodyPr/>
+          <a:lstStyle/>
+          <a:p>
+            <a:fld id="{2062F163-3063-474E-9A8A-E961A784F045}" type="slidenum">
+              <a:rPr lang="es-ES_tradnl" smtClean="0"/>
+              <a:t>18</a:t>
+            </a:fld>
+            <a:endParaRPr lang="es-ES_tradnl" dirty="0"/>
+          </a:p>
+        </p:txBody>
+      </p:sp>
+    </p:spTree>
+    <p:extLst>
+      <p:ext uri="{BB962C8B-B14F-4D97-AF65-F5344CB8AC3E}">
+        <p14:creationId xmlns:p14="http://schemas.microsoft.com/office/powerpoint/2010/main" val="3172142790"/>
+      </p:ext>
+    </p:extLst>
+  </p:cSld>
+  <p:clrMapOvr>
+    <a:masterClrMapping/>
+  </p:clrMapOvr>
+</p:notes>
+</file>
+
+<file path=ppt/notesSlides/notesSlide14.xml><?xml version="1.0" encoding="utf-8"?>
+<p:notes xmlns:a="http://schemas.openxmlformats.org/drawingml/2006/main" xmlns:r="http://schemas.openxmlformats.org/officeDocument/2006/relationships" xmlns:p="http://schemas.openxmlformats.org/presentationml/2006/main">
+  <p:cSld>
+    <p:spTree>
+      <p:nvGrpSpPr>
+        <p:cNvPr id="1" name=""/>
+        <p:cNvGrpSpPr/>
+        <p:nvPr/>
+      </p:nvGrpSpPr>
+      <p:grpSpPr>
+        <a:xfrm>
+          <a:off x="0" y="0"/>
+          <a:ext cx="0" cy="0"/>
+          <a:chOff x="0" y="0"/>
+          <a:chExt cx="0" cy="0"/>
+        </a:xfrm>
+      </p:grpSpPr>
+      <p:sp>
+        <p:nvSpPr>
+          <p:cNvPr id="2" name="Marcador de imagen de diapositiva 1"/>
+          <p:cNvSpPr>
+            <a:spLocks noGrp="1" noRot="1" noChangeAspect="1"/>
+          </p:cNvSpPr>
+          <p:nvPr>
+            <p:ph type="sldImg"/>
+          </p:nvPr>
+        </p:nvSpPr>
+        <p:spPr/>
+      </p:sp>
+      <p:sp>
+        <p:nvSpPr>
+          <p:cNvPr id="3" name="Marcador de notas 2"/>
+          <p:cNvSpPr>
+            <a:spLocks noGrp="1"/>
+          </p:cNvSpPr>
+          <p:nvPr>
+            <p:ph type="body" idx="1"/>
+          </p:nvPr>
+        </p:nvSpPr>
+        <p:spPr/>
+        <p:txBody>
+          <a:bodyPr/>
+          <a:lstStyle/>
+          <a:p>
+            <a:r>
+              <a:rPr lang="es-ES" dirty="0"/>
+              <a:t>Lo que se propone es estructurar los componentes visuales “Vistas” en tres tipos </a:t>
+            </a:r>
+          </a:p>
+          <a:p>
+            <a:pPr marL="171450" indent="-171450">
+              <a:buFont typeface="Arial" panose="020B0604020202020204" pitchFamily="34" charset="0"/>
+              <a:buChar char="•"/>
+            </a:pPr>
+            <a:r>
+              <a:rPr lang="es-ES" dirty="0" err="1"/>
+              <a:t>Containers</a:t>
+            </a:r>
+            <a:endParaRPr lang="es-ES" dirty="0"/>
+          </a:p>
+          <a:p>
+            <a:pPr marL="171450" indent="-171450">
+              <a:buFont typeface="Arial" panose="020B0604020202020204" pitchFamily="34" charset="0"/>
+              <a:buChar char="•"/>
+            </a:pPr>
+            <a:r>
+              <a:rPr lang="es-ES" dirty="0" err="1"/>
+              <a:t>Components</a:t>
+            </a:r>
+            <a:endParaRPr lang="es-ES" dirty="0"/>
+          </a:p>
+          <a:p>
+            <a:pPr marL="171450" indent="-171450">
+              <a:buFont typeface="Arial" panose="020B0604020202020204" pitchFamily="34" charset="0"/>
+              <a:buChar char="•"/>
+            </a:pPr>
+            <a:r>
+              <a:rPr lang="es-ES" dirty="0"/>
+              <a:t>Widgets</a:t>
+            </a:r>
+          </a:p>
+          <a:p>
+            <a:pPr marL="0" indent="0">
+              <a:buFont typeface="Arial" panose="020B0604020202020204" pitchFamily="34" charset="0"/>
+              <a:buNone/>
+            </a:pPr>
+            <a:r>
+              <a:rPr lang="es-ES" dirty="0"/>
+              <a:t>Nuestra capa de negocio estaría dentro de </a:t>
+            </a:r>
+            <a:r>
+              <a:rPr lang="es-ES" dirty="0" err="1"/>
+              <a:t>serviso</a:t>
+            </a:r>
+            <a:endParaRPr lang="es-ES" dirty="0"/>
+          </a:p>
+          <a:p>
+            <a:pPr marL="0" indent="0">
+              <a:buFont typeface="Arial" panose="020B0604020202020204" pitchFamily="34" charset="0"/>
+              <a:buNone/>
+            </a:pPr>
+            <a:r>
+              <a:rPr lang="es-ES" dirty="0"/>
+              <a:t>Nuestra capa de acceso a datos serian los data-</a:t>
+            </a:r>
+            <a:r>
+              <a:rPr lang="es-ES" dirty="0" err="1"/>
+              <a:t>services</a:t>
+            </a:r>
+            <a:endParaRPr lang="es-ES" dirty="0"/>
+          </a:p>
+          <a:p>
+            <a:pPr marL="0" indent="0">
+              <a:buFont typeface="Arial" panose="020B0604020202020204" pitchFamily="34" charset="0"/>
+              <a:buNone/>
+            </a:pPr>
+            <a:r>
+              <a:rPr lang="es-ES" dirty="0"/>
+              <a:t>Y al igual que en el </a:t>
+            </a:r>
+            <a:r>
+              <a:rPr lang="es-ES" dirty="0" err="1"/>
+              <a:t>backend</a:t>
+            </a:r>
+            <a:r>
+              <a:rPr lang="es-ES" dirty="0"/>
+              <a:t> tendríamos nuestro propio modelo</a:t>
+            </a:r>
+          </a:p>
+          <a:p>
+            <a:endParaRPr lang="es-ES" dirty="0"/>
+          </a:p>
+          <a:p>
+            <a:endParaRPr lang="en-US" dirty="0"/>
+          </a:p>
+        </p:txBody>
+      </p:sp>
+      <p:sp>
+        <p:nvSpPr>
+          <p:cNvPr id="4" name="Marcador de número de diapositiva 3"/>
+          <p:cNvSpPr>
+            <a:spLocks noGrp="1"/>
+          </p:cNvSpPr>
+          <p:nvPr>
+            <p:ph type="sldNum" sz="quarter" idx="10"/>
+          </p:nvPr>
+        </p:nvSpPr>
+        <p:spPr/>
+        <p:txBody>
+          <a:bodyPr/>
+          <a:lstStyle/>
+          <a:p>
+            <a:fld id="{2062F163-3063-474E-9A8A-E961A784F045}" type="slidenum">
+              <a:rPr lang="es-ES_tradnl" smtClean="0"/>
+              <a:t>19</a:t>
+            </a:fld>
+            <a:endParaRPr lang="es-ES_tradnl" dirty="0"/>
+          </a:p>
+        </p:txBody>
+      </p:sp>
+    </p:spTree>
+    <p:extLst>
+      <p:ext uri="{BB962C8B-B14F-4D97-AF65-F5344CB8AC3E}">
+        <p14:creationId xmlns:p14="http://schemas.microsoft.com/office/powerpoint/2010/main" val="2256421636"/>
+      </p:ext>
+    </p:extLst>
+  </p:cSld>
+  <p:clrMapOvr>
+    <a:masterClrMapping/>
+  </p:clrMapOvr>
+</p:notes>
+</file>
+
+<file path=ppt/notesSlides/notesSlide15.xml><?xml version="1.0" encoding="utf-8"?>
+<p:notes xmlns:a="http://schemas.openxmlformats.org/drawingml/2006/main" xmlns:r="http://schemas.openxmlformats.org/officeDocument/2006/relationships" xmlns:p="http://schemas.openxmlformats.org/presentationml/2006/main">
+  <p:cSld>
+    <p:spTree>
+      <p:nvGrpSpPr>
+        <p:cNvPr id="1" name=""/>
+        <p:cNvGrpSpPr/>
+        <p:nvPr/>
+      </p:nvGrpSpPr>
+      <p:grpSpPr>
+        <a:xfrm>
+          <a:off x="0" y="0"/>
+          <a:ext cx="0" cy="0"/>
+          <a:chOff x="0" y="0"/>
+          <a:chExt cx="0" cy="0"/>
+        </a:xfrm>
+      </p:grpSpPr>
+      <p:sp>
+        <p:nvSpPr>
+          <p:cNvPr id="2" name="Marcador de imagen de diapositiva 1"/>
+          <p:cNvSpPr>
+            <a:spLocks noGrp="1" noRot="1" noChangeAspect="1"/>
+          </p:cNvSpPr>
+          <p:nvPr>
+            <p:ph type="sldImg"/>
+          </p:nvPr>
+        </p:nvSpPr>
+        <p:spPr/>
+      </p:sp>
+      <p:sp>
+        <p:nvSpPr>
+          <p:cNvPr id="3" name="Marcador de notas 2"/>
+          <p:cNvSpPr>
+            <a:spLocks noGrp="1"/>
+          </p:cNvSpPr>
+          <p:nvPr>
+            <p:ph type="body" idx="1"/>
+          </p:nvPr>
+        </p:nvSpPr>
+        <p:spPr/>
+        <p:txBody>
+          <a:bodyPr/>
+          <a:lstStyle/>
+          <a:p>
+            <a:endParaRPr lang="es-ES" dirty="0"/>
+          </a:p>
+          <a:p>
+            <a:endParaRPr lang="en-US" dirty="0"/>
+          </a:p>
+        </p:txBody>
+      </p:sp>
+      <p:sp>
+        <p:nvSpPr>
+          <p:cNvPr id="4" name="Marcador de número de diapositiva 3"/>
+          <p:cNvSpPr>
+            <a:spLocks noGrp="1"/>
+          </p:cNvSpPr>
+          <p:nvPr>
+            <p:ph type="sldNum" sz="quarter" idx="10"/>
+          </p:nvPr>
+        </p:nvSpPr>
+        <p:spPr/>
+        <p:txBody>
+          <a:bodyPr/>
+          <a:lstStyle/>
+          <a:p>
+            <a:fld id="{2062F163-3063-474E-9A8A-E961A784F045}" type="slidenum">
+              <a:rPr lang="es-ES_tradnl" smtClean="0"/>
+              <a:t>20</a:t>
+            </a:fld>
+            <a:endParaRPr lang="es-ES_tradnl" dirty="0"/>
+          </a:p>
+        </p:txBody>
+      </p:sp>
+    </p:spTree>
+    <p:extLst>
+      <p:ext uri="{BB962C8B-B14F-4D97-AF65-F5344CB8AC3E}">
+        <p14:creationId xmlns:p14="http://schemas.microsoft.com/office/powerpoint/2010/main" val="839788936"/>
+      </p:ext>
+    </p:extLst>
+  </p:cSld>
+  <p:clrMapOvr>
+    <a:masterClrMapping/>
+  </p:clrMapOvr>
+</p:notes>
+</file>
+
+<file path=ppt/notesSlides/notesSlide16.xml><?xml version="1.0" encoding="utf-8"?>
+<p:notes xmlns:a="http://schemas.openxmlformats.org/drawingml/2006/main" xmlns:r="http://schemas.openxmlformats.org/officeDocument/2006/relationships" xmlns:p="http://schemas.openxmlformats.org/presentationml/2006/main">
+  <p:cSld>
+    <p:spTree>
+      <p:nvGrpSpPr>
+        <p:cNvPr id="1" name=""/>
+        <p:cNvGrpSpPr/>
+        <p:nvPr/>
+      </p:nvGrpSpPr>
+      <p:grpSpPr>
+        <a:xfrm>
+          <a:off x="0" y="0"/>
+          <a:ext cx="0" cy="0"/>
+          <a:chOff x="0" y="0"/>
+          <a:chExt cx="0" cy="0"/>
+        </a:xfrm>
+      </p:grpSpPr>
+      <p:sp>
+        <p:nvSpPr>
+          <p:cNvPr id="2" name="Marcador de imagen de diapositiva 1"/>
+          <p:cNvSpPr>
+            <a:spLocks noGrp="1" noRot="1" noChangeAspect="1"/>
+          </p:cNvSpPr>
+          <p:nvPr>
+            <p:ph type="sldImg"/>
+          </p:nvPr>
+        </p:nvSpPr>
+        <p:spPr/>
+      </p:sp>
+      <p:sp>
+        <p:nvSpPr>
+          <p:cNvPr id="3" name="Marcador de notas 2"/>
+          <p:cNvSpPr>
+            <a:spLocks noGrp="1"/>
+          </p:cNvSpPr>
+          <p:nvPr>
+            <p:ph type="body" idx="1"/>
+          </p:nvPr>
+        </p:nvSpPr>
+        <p:spPr/>
+        <p:txBody>
+          <a:bodyPr/>
+          <a:lstStyle/>
+          <a:p>
+            <a:endParaRPr lang="es-ES" dirty="0"/>
+          </a:p>
+          <a:p>
+            <a:endParaRPr lang="en-US" dirty="0"/>
+          </a:p>
+        </p:txBody>
+      </p:sp>
+      <p:sp>
+        <p:nvSpPr>
+          <p:cNvPr id="4" name="Marcador de número de diapositiva 3"/>
+          <p:cNvSpPr>
+            <a:spLocks noGrp="1"/>
+          </p:cNvSpPr>
+          <p:nvPr>
+            <p:ph type="sldNum" sz="quarter" idx="10"/>
+          </p:nvPr>
+        </p:nvSpPr>
+        <p:spPr/>
+        <p:txBody>
+          <a:bodyPr/>
+          <a:lstStyle/>
+          <a:p>
+            <a:fld id="{2062F163-3063-474E-9A8A-E961A784F045}" type="slidenum">
+              <a:rPr lang="es-ES_tradnl" smtClean="0"/>
+              <a:t>21</a:t>
+            </a:fld>
+            <a:endParaRPr lang="es-ES_tradnl" dirty="0"/>
+          </a:p>
+        </p:txBody>
+      </p:sp>
+    </p:spTree>
+    <p:extLst>
+      <p:ext uri="{BB962C8B-B14F-4D97-AF65-F5344CB8AC3E}">
+        <p14:creationId xmlns:p14="http://schemas.microsoft.com/office/powerpoint/2010/main" val="3874966697"/>
+      </p:ext>
+    </p:extLst>
+  </p:cSld>
+  <p:clrMapOvr>
+    <a:masterClrMapping/>
+  </p:clrMapOvr>
+</p:notes>
+</file>
+
+<file path=ppt/notesSlides/notesSlide17.xml><?xml version="1.0" encoding="utf-8"?>
+<p:notes xmlns:a="http://schemas.openxmlformats.org/drawingml/2006/main" xmlns:r="http://schemas.openxmlformats.org/officeDocument/2006/relationships" xmlns:p="http://schemas.openxmlformats.org/presentationml/2006/main">
+  <p:cSld>
+    <p:spTree>
+      <p:nvGrpSpPr>
+        <p:cNvPr id="1" name=""/>
+        <p:cNvGrpSpPr/>
+        <p:nvPr/>
+      </p:nvGrpSpPr>
+      <p:grpSpPr>
+        <a:xfrm>
+          <a:off x="0" y="0"/>
+          <a:ext cx="0" cy="0"/>
+          <a:chOff x="0" y="0"/>
+          <a:chExt cx="0" cy="0"/>
+        </a:xfrm>
+      </p:grpSpPr>
+      <p:sp>
+        <p:nvSpPr>
+          <p:cNvPr id="2" name="Marcador de imagen de diapositiva 1"/>
+          <p:cNvSpPr>
+            <a:spLocks noGrp="1" noRot="1" noChangeAspect="1"/>
+          </p:cNvSpPr>
+          <p:nvPr>
+            <p:ph type="sldImg"/>
+          </p:nvPr>
+        </p:nvSpPr>
+        <p:spPr/>
+      </p:sp>
+      <p:sp>
+        <p:nvSpPr>
+          <p:cNvPr id="3" name="Marcador de notas 2"/>
+          <p:cNvSpPr>
+            <a:spLocks noGrp="1"/>
+          </p:cNvSpPr>
+          <p:nvPr>
+            <p:ph type="body" idx="1"/>
+          </p:nvPr>
+        </p:nvSpPr>
+        <p:spPr/>
+        <p:txBody>
+          <a:bodyPr/>
+          <a:lstStyle/>
+          <a:p>
+            <a:endParaRPr lang="es-ES" dirty="0"/>
+          </a:p>
+          <a:p>
+            <a:endParaRPr lang="en-US" dirty="0"/>
+          </a:p>
+        </p:txBody>
+      </p:sp>
+      <p:sp>
+        <p:nvSpPr>
+          <p:cNvPr id="4" name="Marcador de número de diapositiva 3"/>
+          <p:cNvSpPr>
+            <a:spLocks noGrp="1"/>
+          </p:cNvSpPr>
+          <p:nvPr>
+            <p:ph type="sldNum" sz="quarter" idx="10"/>
+          </p:nvPr>
+        </p:nvSpPr>
+        <p:spPr/>
+        <p:txBody>
+          <a:bodyPr/>
+          <a:lstStyle/>
+          <a:p>
+            <a:fld id="{2062F163-3063-474E-9A8A-E961A784F045}" type="slidenum">
+              <a:rPr lang="es-ES_tradnl" smtClean="0"/>
+              <a:t>22</a:t>
+            </a:fld>
+            <a:endParaRPr lang="es-ES_tradnl" dirty="0"/>
+          </a:p>
+        </p:txBody>
+      </p:sp>
+    </p:spTree>
+    <p:extLst>
+      <p:ext uri="{BB962C8B-B14F-4D97-AF65-F5344CB8AC3E}">
+        <p14:creationId xmlns:p14="http://schemas.microsoft.com/office/powerpoint/2010/main" val="2101814357"/>
+      </p:ext>
+    </p:extLst>
+  </p:cSld>
+  <p:clrMapOvr>
+    <a:masterClrMapping/>
+  </p:clrMapOvr>
+</p:notes>
+</file>
+
+<file path=ppt/notesSlides/notesSlide18.xml><?xml version="1.0" encoding="utf-8"?>
+<p:notes xmlns:a="http://schemas.openxmlformats.org/drawingml/2006/main" xmlns:r="http://schemas.openxmlformats.org/officeDocument/2006/relationships" xmlns:p="http://schemas.openxmlformats.org/presentationml/2006/main">
+  <p:cSld>
+    <p:spTree>
+      <p:nvGrpSpPr>
+        <p:cNvPr id="1" name=""/>
+        <p:cNvGrpSpPr/>
+        <p:nvPr/>
+      </p:nvGrpSpPr>
+      <p:grpSpPr>
+        <a:xfrm>
+          <a:off x="0" y="0"/>
+          <a:ext cx="0" cy="0"/>
+          <a:chOff x="0" y="0"/>
+          <a:chExt cx="0" cy="0"/>
+        </a:xfrm>
+      </p:grpSpPr>
+      <p:sp>
+        <p:nvSpPr>
+          <p:cNvPr id="2" name="Marcador de imagen de diapositiva 1"/>
+          <p:cNvSpPr>
+            <a:spLocks noGrp="1" noRot="1" noChangeAspect="1"/>
+          </p:cNvSpPr>
+          <p:nvPr>
+            <p:ph type="sldImg"/>
+          </p:nvPr>
+        </p:nvSpPr>
+        <p:spPr/>
+      </p:sp>
+      <p:sp>
+        <p:nvSpPr>
+          <p:cNvPr id="3" name="Marcador de notas 2"/>
+          <p:cNvSpPr>
+            <a:spLocks noGrp="1"/>
+          </p:cNvSpPr>
+          <p:nvPr>
+            <p:ph type="body" idx="1"/>
+          </p:nvPr>
+        </p:nvSpPr>
+        <p:spPr/>
+        <p:txBody>
+          <a:bodyPr/>
+          <a:lstStyle/>
+          <a:p>
+            <a:endParaRPr lang="es-ES" dirty="0"/>
+          </a:p>
+          <a:p>
+            <a:endParaRPr lang="en-US" dirty="0"/>
+          </a:p>
+        </p:txBody>
+      </p:sp>
+      <p:sp>
+        <p:nvSpPr>
+          <p:cNvPr id="4" name="Marcador de número de diapositiva 3"/>
+          <p:cNvSpPr>
+            <a:spLocks noGrp="1"/>
+          </p:cNvSpPr>
+          <p:nvPr>
+            <p:ph type="sldNum" sz="quarter" idx="10"/>
+          </p:nvPr>
+        </p:nvSpPr>
+        <p:spPr/>
+        <p:txBody>
+          <a:bodyPr/>
+          <a:lstStyle/>
+          <a:p>
+            <a:fld id="{2062F163-3063-474E-9A8A-E961A784F045}" type="slidenum">
+              <a:rPr lang="es-ES_tradnl" smtClean="0"/>
+              <a:t>23</a:t>
+            </a:fld>
+            <a:endParaRPr lang="es-ES_tradnl" dirty="0"/>
+          </a:p>
+        </p:txBody>
+      </p:sp>
+    </p:spTree>
+    <p:extLst>
+      <p:ext uri="{BB962C8B-B14F-4D97-AF65-F5344CB8AC3E}">
+        <p14:creationId xmlns:p14="http://schemas.microsoft.com/office/powerpoint/2010/main" val="1330282281"/>
+      </p:ext>
+    </p:extLst>
+  </p:cSld>
+  <p:clrMapOvr>
+    <a:masterClrMapping/>
+  </p:clrMapOvr>
+</p:notes>
+</file>
+
+<file path=ppt/notesSlides/notesSlide19.xml><?xml version="1.0" encoding="utf-8"?>
+<p:notes xmlns:a="http://schemas.openxmlformats.org/drawingml/2006/main" xmlns:r="http://schemas.openxmlformats.org/officeDocument/2006/relationships" xmlns:p="http://schemas.openxmlformats.org/presentationml/2006/main">
+  <p:cSld>
+    <p:spTree>
+      <p:nvGrpSpPr>
+        <p:cNvPr id="1" name=""/>
+        <p:cNvGrpSpPr/>
+        <p:nvPr/>
+      </p:nvGrpSpPr>
+      <p:grpSpPr>
+        <a:xfrm>
+          <a:off x="0" y="0"/>
+          <a:ext cx="0" cy="0"/>
+          <a:chOff x="0" y="0"/>
+          <a:chExt cx="0" cy="0"/>
+        </a:xfrm>
+      </p:grpSpPr>
+      <p:sp>
+        <p:nvSpPr>
+          <p:cNvPr id="2" name="Marcador de imagen de diapositiva 1"/>
+          <p:cNvSpPr>
+            <a:spLocks noGrp="1" noRot="1" noChangeAspect="1"/>
+          </p:cNvSpPr>
+          <p:nvPr>
+            <p:ph type="sldImg"/>
+          </p:nvPr>
+        </p:nvSpPr>
+        <p:spPr/>
+      </p:sp>
+      <p:sp>
+        <p:nvSpPr>
+          <p:cNvPr id="3" name="Marcador de notas 2"/>
+          <p:cNvSpPr>
+            <a:spLocks noGrp="1"/>
+          </p:cNvSpPr>
+          <p:nvPr>
+            <p:ph type="body" idx="1"/>
+          </p:nvPr>
+        </p:nvSpPr>
+        <p:spPr/>
+        <p:txBody>
+          <a:bodyPr/>
+          <a:lstStyle/>
+          <a:p>
+            <a:endParaRPr lang="es-ES" dirty="0"/>
+          </a:p>
+          <a:p>
+            <a:endParaRPr lang="en-US" dirty="0"/>
+          </a:p>
+        </p:txBody>
+      </p:sp>
+      <p:sp>
+        <p:nvSpPr>
+          <p:cNvPr id="4" name="Marcador de número de diapositiva 3"/>
+          <p:cNvSpPr>
+            <a:spLocks noGrp="1"/>
+          </p:cNvSpPr>
+          <p:nvPr>
+            <p:ph type="sldNum" sz="quarter" idx="10"/>
+          </p:nvPr>
+        </p:nvSpPr>
+        <p:spPr/>
+        <p:txBody>
+          <a:bodyPr/>
+          <a:lstStyle/>
+          <a:p>
+            <a:fld id="{2062F163-3063-474E-9A8A-E961A784F045}" type="slidenum">
+              <a:rPr lang="es-ES_tradnl" smtClean="0"/>
+              <a:t>24</a:t>
+            </a:fld>
+            <a:endParaRPr lang="es-ES_tradnl" dirty="0"/>
+          </a:p>
+        </p:txBody>
+      </p:sp>
+    </p:spTree>
+    <p:extLst>
+      <p:ext uri="{BB962C8B-B14F-4D97-AF65-F5344CB8AC3E}">
+        <p14:creationId xmlns:p14="http://schemas.microsoft.com/office/powerpoint/2010/main" val="3388575085"/>
+      </p:ext>
+    </p:extLst>
+  </p:cSld>
+  <p:clrMapOvr>
+    <a:masterClrMapping/>
+  </p:clrMapOvr>
+</p:notes>
+</file>
+
 <file path=ppt/notesSlides/notesSlide2.xml><?xml version="1.0" encoding="utf-8"?>
 <p:notes xmlns:a="http://schemas.openxmlformats.org/drawingml/2006/main" xmlns:r="http://schemas.openxmlformats.org/officeDocument/2006/relationships" xmlns:p="http://schemas.openxmlformats.org/presentationml/2006/main">
   <p:cSld>
@@ -3892,6 +4710,180 @@
     <p:extLst>
       <p:ext uri="{BB962C8B-B14F-4D97-AF65-F5344CB8AC3E}">
         <p14:creationId xmlns:p14="http://schemas.microsoft.com/office/powerpoint/2010/main" val="1316652840"/>
+      </p:ext>
+    </p:extLst>
+  </p:cSld>
+  <p:clrMapOvr>
+    <a:masterClrMapping/>
+  </p:clrMapOvr>
+</p:notes>
+</file>
+
+<file path=ppt/notesSlides/notesSlide20.xml><?xml version="1.0" encoding="utf-8"?>
+<p:notes xmlns:a="http://schemas.openxmlformats.org/drawingml/2006/main" xmlns:r="http://schemas.openxmlformats.org/officeDocument/2006/relationships" xmlns:p="http://schemas.openxmlformats.org/presentationml/2006/main">
+  <p:cSld>
+    <p:spTree>
+      <p:nvGrpSpPr>
+        <p:cNvPr id="1" name=""/>
+        <p:cNvGrpSpPr/>
+        <p:nvPr/>
+      </p:nvGrpSpPr>
+      <p:grpSpPr>
+        <a:xfrm>
+          <a:off x="0" y="0"/>
+          <a:ext cx="0" cy="0"/>
+          <a:chOff x="0" y="0"/>
+          <a:chExt cx="0" cy="0"/>
+        </a:xfrm>
+      </p:grpSpPr>
+      <p:sp>
+        <p:nvSpPr>
+          <p:cNvPr id="2" name="Marcador de imagen de diapositiva 1"/>
+          <p:cNvSpPr>
+            <a:spLocks noGrp="1" noRot="1" noChangeAspect="1"/>
+          </p:cNvSpPr>
+          <p:nvPr>
+            <p:ph type="sldImg"/>
+          </p:nvPr>
+        </p:nvSpPr>
+        <p:spPr/>
+      </p:sp>
+      <p:sp>
+        <p:nvSpPr>
+          <p:cNvPr id="3" name="Marcador de notas 2"/>
+          <p:cNvSpPr>
+            <a:spLocks noGrp="1"/>
+          </p:cNvSpPr>
+          <p:nvPr>
+            <p:ph type="body" idx="1"/>
+          </p:nvPr>
+        </p:nvSpPr>
+        <p:spPr/>
+        <p:txBody>
+          <a:bodyPr/>
+          <a:lstStyle/>
+          <a:p>
+            <a:endParaRPr lang="es-ES" dirty="0"/>
+          </a:p>
+          <a:p>
+            <a:endParaRPr lang="en-US" dirty="0"/>
+          </a:p>
+        </p:txBody>
+      </p:sp>
+      <p:sp>
+        <p:nvSpPr>
+          <p:cNvPr id="4" name="Marcador de número de diapositiva 3"/>
+          <p:cNvSpPr>
+            <a:spLocks noGrp="1"/>
+          </p:cNvSpPr>
+          <p:nvPr>
+            <p:ph type="sldNum" sz="quarter" idx="10"/>
+          </p:nvPr>
+        </p:nvSpPr>
+        <p:spPr/>
+        <p:txBody>
+          <a:bodyPr/>
+          <a:lstStyle/>
+          <a:p>
+            <a:fld id="{2062F163-3063-474E-9A8A-E961A784F045}" type="slidenum">
+              <a:rPr lang="es-ES_tradnl" smtClean="0"/>
+              <a:t>25</a:t>
+            </a:fld>
+            <a:endParaRPr lang="es-ES_tradnl" dirty="0"/>
+          </a:p>
+        </p:txBody>
+      </p:sp>
+    </p:spTree>
+    <p:extLst>
+      <p:ext uri="{BB962C8B-B14F-4D97-AF65-F5344CB8AC3E}">
+        <p14:creationId xmlns:p14="http://schemas.microsoft.com/office/powerpoint/2010/main" val="805455344"/>
+      </p:ext>
+    </p:extLst>
+  </p:cSld>
+  <p:clrMapOvr>
+    <a:masterClrMapping/>
+  </p:clrMapOvr>
+</p:notes>
+</file>
+
+<file path=ppt/notesSlides/notesSlide21.xml><?xml version="1.0" encoding="utf-8"?>
+<p:notes xmlns:a="http://schemas.openxmlformats.org/drawingml/2006/main" xmlns:r="http://schemas.openxmlformats.org/officeDocument/2006/relationships" xmlns:p="http://schemas.openxmlformats.org/presentationml/2006/main">
+  <p:cSld>
+    <p:spTree>
+      <p:nvGrpSpPr>
+        <p:cNvPr id="1" name=""/>
+        <p:cNvGrpSpPr/>
+        <p:nvPr/>
+      </p:nvGrpSpPr>
+      <p:grpSpPr>
+        <a:xfrm>
+          <a:off x="0" y="0"/>
+          <a:ext cx="0" cy="0"/>
+          <a:chOff x="0" y="0"/>
+          <a:chExt cx="0" cy="0"/>
+        </a:xfrm>
+      </p:grpSpPr>
+      <p:sp>
+        <p:nvSpPr>
+          <p:cNvPr id="2" name="Marcador de imagen de diapositiva 1"/>
+          <p:cNvSpPr>
+            <a:spLocks noGrp="1" noRot="1" noChangeAspect="1"/>
+          </p:cNvSpPr>
+          <p:nvPr>
+            <p:ph type="sldImg"/>
+          </p:nvPr>
+        </p:nvSpPr>
+        <p:spPr/>
+      </p:sp>
+      <p:sp>
+        <p:nvSpPr>
+          <p:cNvPr id="3" name="Marcador de notas 2"/>
+          <p:cNvSpPr>
+            <a:spLocks noGrp="1"/>
+          </p:cNvSpPr>
+          <p:nvPr>
+            <p:ph type="body" idx="1"/>
+          </p:nvPr>
+        </p:nvSpPr>
+        <p:spPr/>
+        <p:txBody>
+          <a:bodyPr/>
+          <a:lstStyle/>
+          <a:p>
+            <a:endParaRPr lang="es-ES" dirty="0"/>
+          </a:p>
+          <a:p>
+            <a:endParaRPr lang="en-US" dirty="0"/>
+          </a:p>
+        </p:txBody>
+      </p:sp>
+      <p:sp>
+        <p:nvSpPr>
+          <p:cNvPr id="4" name="Marcador de número de diapositiva 3"/>
+          <p:cNvSpPr>
+            <a:spLocks noGrp="1"/>
+          </p:cNvSpPr>
+          <p:nvPr>
+            <p:ph type="sldNum" sz="quarter" idx="10"/>
+          </p:nvPr>
+        </p:nvSpPr>
+        <p:spPr/>
+        <p:txBody>
+          <a:bodyPr/>
+          <a:lstStyle/>
+          <a:p>
+            <a:fld id="{2062F163-3063-474E-9A8A-E961A784F045}" type="slidenum">
+              <a:rPr lang="es-ES_tradnl" smtClean="0"/>
+              <a:t>26</a:t>
+            </a:fld>
+            <a:endParaRPr lang="es-ES_tradnl" dirty="0"/>
+          </a:p>
+        </p:txBody>
+      </p:sp>
+    </p:spTree>
+    <p:extLst>
+      <p:ext uri="{BB962C8B-B14F-4D97-AF65-F5344CB8AC3E}">
+        <p14:creationId xmlns:p14="http://schemas.microsoft.com/office/powerpoint/2010/main" val="598336951"/>
       </p:ext>
     </p:extLst>
   </p:cSld>
@@ -18868,8 +19860,8 @@
         </p:nvSpPr>
         <p:spPr>
           <a:xfrm>
-            <a:off x="1385455" y="1690688"/>
-            <a:ext cx="7797046" cy="3139321"/>
+            <a:off x="838200" y="1690688"/>
+            <a:ext cx="10423358" cy="4154984"/>
           </a:xfrm>
           <a:prstGeom prst="rect">
             <a:avLst/>
@@ -18904,6 +19896,61 @@
                 <a:cs typeface="Segoe UI Light" panose="020B0502040204020203" pitchFamily="34" charset="0"/>
               </a:rPr>
               <a:t>La base es asociar un componente a una ruta</a:t>
+            </a:r>
+          </a:p>
+          <a:p>
+            <a:pPr marL="342900" indent="-342900">
+              <a:buFont typeface="Arial" panose="020B0604020202020204" pitchFamily="34" charset="0"/>
+              <a:buChar char="•"/>
+            </a:pPr>
+            <a:r>
+              <a:rPr lang="es-ES" sz="2200" dirty="0">
+                <a:latin typeface="Segoe UI Light" panose="020B0502040204020203" pitchFamily="34" charset="0"/>
+                <a:cs typeface="Segoe UI Light" panose="020B0502040204020203" pitchFamily="34" charset="0"/>
+              </a:rPr>
+              <a:t>Normalmente al usar </a:t>
+            </a:r>
+            <a:r>
+              <a:rPr lang="es-ES" sz="2200" dirty="0" err="1">
+                <a:latin typeface="Segoe UI Light" panose="020B0502040204020203" pitchFamily="34" charset="0"/>
+                <a:cs typeface="Segoe UI Light" panose="020B0502040204020203" pitchFamily="34" charset="0"/>
+              </a:rPr>
+              <a:t>routers</a:t>
+            </a:r>
+            <a:r>
+              <a:rPr lang="es-ES" sz="2200" dirty="0">
+                <a:latin typeface="Segoe UI Light" panose="020B0502040204020203" pitchFamily="34" charset="0"/>
+                <a:cs typeface="Segoe UI Light" panose="020B0502040204020203" pitchFamily="34" charset="0"/>
+              </a:rPr>
+              <a:t> intentamos que al refrescar la pagina no se pierdan datos eso se consigue usualmente modificando la </a:t>
+            </a:r>
+            <a:r>
+              <a:rPr lang="es-ES" sz="2200" dirty="0" err="1">
+                <a:latin typeface="Segoe UI Light" panose="020B0502040204020203" pitchFamily="34" charset="0"/>
+                <a:cs typeface="Segoe UI Light" panose="020B0502040204020203" pitchFamily="34" charset="0"/>
+              </a:rPr>
+              <a:t>url</a:t>
+            </a:r>
+            <a:r>
+              <a:rPr lang="es-ES" sz="2200" dirty="0">
+                <a:latin typeface="Segoe UI Light" panose="020B0502040204020203" pitchFamily="34" charset="0"/>
+                <a:cs typeface="Segoe UI Light" panose="020B0502040204020203" pitchFamily="34" charset="0"/>
+              </a:rPr>
+              <a:t>. Dentro de </a:t>
+            </a:r>
+            <a:r>
+              <a:rPr lang="es-ES" sz="2200" dirty="0" err="1">
+                <a:latin typeface="Segoe UI Light" panose="020B0502040204020203" pitchFamily="34" charset="0"/>
+                <a:cs typeface="Segoe UI Light" panose="020B0502040204020203" pitchFamily="34" charset="0"/>
+              </a:rPr>
+              <a:t>sharepoint</a:t>
+            </a:r>
+            <a:r>
+              <a:rPr lang="es-ES" sz="2200" dirty="0">
+                <a:latin typeface="Segoe UI Light" panose="020B0502040204020203" pitchFamily="34" charset="0"/>
+                <a:cs typeface="Segoe UI Light" panose="020B0502040204020203" pitchFamily="34" charset="0"/>
+              </a:rPr>
+              <a:t> no podemos hacer eso</a:t>
             </a:r>
           </a:p>
           <a:p>
@@ -19194,6 +20241,2395 @@
           <a:chExt cx="0" cy="0"/>
         </a:xfrm>
       </p:grpSpPr>
+      <p:sp>
+        <p:nvSpPr>
+          <p:cNvPr id="2" name="Title 1"/>
+          <p:cNvSpPr>
+            <a:spLocks noGrp="1"/>
+          </p:cNvSpPr>
+          <p:nvPr>
+            <p:ph type="title"/>
+          </p:nvPr>
+        </p:nvSpPr>
+        <p:spPr/>
+        <p:txBody>
+          <a:bodyPr/>
+          <a:lstStyle/>
+          <a:p>
+            <a:r>
+              <a:rPr lang="en-US" dirty="0" err="1"/>
+              <a:t>Vue</a:t>
+            </a:r>
+            <a:r>
+              <a:rPr lang="en-US" dirty="0"/>
+              <a:t>. </a:t>
+            </a:r>
+            <a:r>
+              <a:rPr lang="en-US" dirty="0" err="1"/>
+              <a:t>Ejercicio</a:t>
+            </a:r>
+            <a:r>
+              <a:rPr lang="en-US" dirty="0"/>
+              <a:t>. </a:t>
+            </a:r>
+          </a:p>
+        </p:txBody>
+      </p:sp>
+      <p:sp>
+        <p:nvSpPr>
+          <p:cNvPr id="3" name="Rectangle 2"/>
+          <p:cNvSpPr/>
+          <p:nvPr/>
+        </p:nvSpPr>
+        <p:spPr>
+          <a:xfrm>
+            <a:off x="1385455" y="1690688"/>
+            <a:ext cx="7797046" cy="430887"/>
+          </a:xfrm>
+          <a:prstGeom prst="rect">
+            <a:avLst/>
+          </a:prstGeom>
+        </p:spPr>
+        <p:txBody>
+          <a:bodyPr wrap="square">
+            <a:spAutoFit/>
+          </a:bodyPr>
+          <a:lstStyle/>
+          <a:p>
+            <a:pPr marL="342900" indent="-342900">
+              <a:buFont typeface="Arial" panose="020B0604020202020204" pitchFamily="34" charset="0"/>
+              <a:buChar char="•"/>
+            </a:pPr>
+            <a:endParaRPr lang="es-ES" sz="2200" dirty="0">
+              <a:latin typeface="Segoe UI Light" panose="020B0502040204020203" pitchFamily="34" charset="0"/>
+              <a:cs typeface="Segoe UI Light" panose="020B0502040204020203" pitchFamily="34" charset="0"/>
+            </a:endParaRPr>
+          </a:p>
+        </p:txBody>
+      </p:sp>
+      <p:sp>
+        <p:nvSpPr>
+          <p:cNvPr id="4" name="CuadroTexto 3">
+            <a:extLst>
+              <a:ext uri="{FF2B5EF4-FFF2-40B4-BE49-F238E27FC236}">
+                <a16:creationId xmlns:a16="http://schemas.microsoft.com/office/drawing/2014/main" id="{12BA34B7-4EAC-4826-BC10-A9CDDC21DFAF}"/>
+              </a:ext>
+            </a:extLst>
+          </p:cNvPr>
+          <p:cNvSpPr txBox="1"/>
+          <p:nvPr/>
+        </p:nvSpPr>
+        <p:spPr>
+          <a:xfrm>
+            <a:off x="264695" y="1690688"/>
+            <a:ext cx="11273590" cy="1477328"/>
+          </a:xfrm>
+          <a:prstGeom prst="rect">
+            <a:avLst/>
+          </a:prstGeom>
+          <a:noFill/>
+        </p:spPr>
+        <p:txBody>
+          <a:bodyPr wrap="square" rtlCol="0">
+            <a:spAutoFit/>
+          </a:bodyPr>
+          <a:lstStyle/>
+          <a:p>
+            <a:pPr marL="342900" indent="-342900">
+              <a:buFont typeface="+mj-lt"/>
+              <a:buAutoNum type="arabicPeriod"/>
+            </a:pPr>
+            <a:r>
+              <a:rPr lang="es-ES" dirty="0"/>
+              <a:t>Crear un componente </a:t>
+            </a:r>
+            <a:r>
+              <a:rPr lang="es-ES" dirty="0" err="1"/>
+              <a:t>user</a:t>
+            </a:r>
+            <a:r>
+              <a:rPr lang="es-ES" dirty="0"/>
+              <a:t> al cual accederemos desde la ruta /</a:t>
+            </a:r>
+            <a:r>
+              <a:rPr lang="es-ES" dirty="0" err="1"/>
+              <a:t>user</a:t>
+            </a:r>
+            <a:r>
+              <a:rPr lang="es-ES" dirty="0"/>
+              <a:t> que nos permita crear usuarios. Cada usuario tendrá solo la propiedad nombre</a:t>
+            </a:r>
+          </a:p>
+          <a:p>
+            <a:pPr marL="342900" indent="-342900">
+              <a:buFont typeface="+mj-lt"/>
+              <a:buAutoNum type="arabicPeriod"/>
+            </a:pPr>
+            <a:r>
+              <a:rPr lang="es-ES" dirty="0"/>
+              <a:t>Añadir la lista de usuarios creados debajo del formulario de creación</a:t>
+            </a:r>
+          </a:p>
+          <a:p>
+            <a:pPr marL="342900" indent="-342900">
+              <a:buFont typeface="+mj-lt"/>
+              <a:buAutoNum type="arabicPeriod"/>
+            </a:pPr>
+            <a:r>
+              <a:rPr lang="es-ES" dirty="0"/>
+              <a:t>Añadir al usuario la propiedad nacionalidad. Esta propiedad vendrá de una lista fija de nacionalidades y solo se podrá seleccionar una</a:t>
+            </a:r>
+            <a:endParaRPr lang="en-US" dirty="0"/>
+          </a:p>
+        </p:txBody>
+      </p:sp>
+    </p:spTree>
+    <p:extLst>
+      <p:ext uri="{BB962C8B-B14F-4D97-AF65-F5344CB8AC3E}">
+        <p14:creationId xmlns:p14="http://schemas.microsoft.com/office/powerpoint/2010/main" val="3570074162"/>
+      </p:ext>
+    </p:extLst>
+  </p:cSld>
+  <p:clrMapOvr>
+    <a:masterClrMapping/>
+  </p:clrMapOvr>
+</p:sld>
+</file>
+
+<file path=ppt/slides/slide18.xml><?xml version="1.0" encoding="utf-8"?>
+<p:sld xmlns:a="http://schemas.openxmlformats.org/drawingml/2006/main" xmlns:r="http://schemas.openxmlformats.org/officeDocument/2006/relationships" xmlns:p="http://schemas.openxmlformats.org/presentationml/2006/main">
+  <p:cSld>
+    <p:spTree>
+      <p:nvGrpSpPr>
+        <p:cNvPr id="1" name=""/>
+        <p:cNvGrpSpPr/>
+        <p:nvPr/>
+      </p:nvGrpSpPr>
+      <p:grpSpPr>
+        <a:xfrm>
+          <a:off x="0" y="0"/>
+          <a:ext cx="0" cy="0"/>
+          <a:chOff x="0" y="0"/>
+          <a:chExt cx="0" cy="0"/>
+        </a:xfrm>
+      </p:grpSpPr>
+      <p:sp>
+        <p:nvSpPr>
+          <p:cNvPr id="2" name="Title 1"/>
+          <p:cNvSpPr>
+            <a:spLocks noGrp="1"/>
+          </p:cNvSpPr>
+          <p:nvPr>
+            <p:ph type="title"/>
+          </p:nvPr>
+        </p:nvSpPr>
+        <p:spPr>
+          <a:xfrm>
+            <a:off x="838200" y="365125"/>
+            <a:ext cx="10515600" cy="1325563"/>
+          </a:xfrm>
+        </p:spPr>
+        <p:txBody>
+          <a:bodyPr/>
+          <a:lstStyle/>
+          <a:p>
+            <a:r>
+              <a:rPr lang="en-US" dirty="0"/>
+              <a:t>SPA </a:t>
+            </a:r>
+            <a:r>
+              <a:rPr lang="en-US" dirty="0" err="1"/>
+              <a:t>Vue</a:t>
+            </a:r>
+            <a:r>
+              <a:rPr lang="en-US" dirty="0"/>
+              <a:t> </a:t>
+            </a:r>
+            <a:r>
+              <a:rPr lang="en-US" dirty="0" err="1"/>
+              <a:t>Arquitectura</a:t>
+            </a:r>
+            <a:r>
+              <a:rPr lang="en-US" dirty="0"/>
+              <a:t>. </a:t>
+            </a:r>
+          </a:p>
+        </p:txBody>
+      </p:sp>
+      <p:sp>
+        <p:nvSpPr>
+          <p:cNvPr id="3" name="Rectangle 2"/>
+          <p:cNvSpPr/>
+          <p:nvPr/>
+        </p:nvSpPr>
+        <p:spPr>
+          <a:xfrm>
+            <a:off x="1385455" y="1690688"/>
+            <a:ext cx="7797046" cy="430887"/>
+          </a:xfrm>
+          <a:prstGeom prst="rect">
+            <a:avLst/>
+          </a:prstGeom>
+        </p:spPr>
+        <p:txBody>
+          <a:bodyPr wrap="square">
+            <a:spAutoFit/>
+          </a:bodyPr>
+          <a:lstStyle/>
+          <a:p>
+            <a:pPr marL="342900" indent="-342900">
+              <a:buFont typeface="Arial" panose="020B0604020202020204" pitchFamily="34" charset="0"/>
+              <a:buChar char="•"/>
+            </a:pPr>
+            <a:endParaRPr lang="es-ES" sz="2200" dirty="0">
+              <a:latin typeface="Segoe UI Light" panose="020B0502040204020203" pitchFamily="34" charset="0"/>
+              <a:cs typeface="Segoe UI Light" panose="020B0502040204020203" pitchFamily="34" charset="0"/>
+            </a:endParaRPr>
+          </a:p>
+        </p:txBody>
+      </p:sp>
+      <p:pic>
+        <p:nvPicPr>
+          <p:cNvPr id="7" name="Imagen 6">
+            <a:extLst>
+              <a:ext uri="{FF2B5EF4-FFF2-40B4-BE49-F238E27FC236}">
+                <a16:creationId xmlns:a16="http://schemas.microsoft.com/office/drawing/2014/main" id="{B190D468-B7E0-4E44-8E12-47F31F31EC4D}"/>
+              </a:ext>
+            </a:extLst>
+          </p:cNvPr>
+          <p:cNvPicPr>
+            <a:picLocks noChangeAspect="1"/>
+          </p:cNvPicPr>
+          <p:nvPr/>
+        </p:nvPicPr>
+        <p:blipFill>
+          <a:blip r:embed="rId3"/>
+          <a:stretch>
+            <a:fillRect/>
+          </a:stretch>
+        </p:blipFill>
+        <p:spPr>
+          <a:xfrm>
+            <a:off x="1299668" y="2713211"/>
+            <a:ext cx="902286" cy="902286"/>
+          </a:xfrm>
+          <a:prstGeom prst="rect">
+            <a:avLst/>
+          </a:prstGeom>
+        </p:spPr>
+      </p:pic>
+      <p:sp>
+        <p:nvSpPr>
+          <p:cNvPr id="8" name="CuadroTexto 7">
+            <a:extLst>
+              <a:ext uri="{FF2B5EF4-FFF2-40B4-BE49-F238E27FC236}">
+                <a16:creationId xmlns:a16="http://schemas.microsoft.com/office/drawing/2014/main" id="{73A67932-76FA-4ED8-93CA-7D0761D574EE}"/>
+              </a:ext>
+            </a:extLst>
+          </p:cNvPr>
+          <p:cNvSpPr txBox="1"/>
+          <p:nvPr/>
+        </p:nvSpPr>
+        <p:spPr>
+          <a:xfrm>
+            <a:off x="1385455" y="3585410"/>
+            <a:ext cx="730713" cy="369332"/>
+          </a:xfrm>
+          <a:prstGeom prst="rect">
+            <a:avLst/>
+          </a:prstGeom>
+          <a:noFill/>
+        </p:spPr>
+        <p:txBody>
+          <a:bodyPr wrap="none" rtlCol="0">
+            <a:spAutoFit/>
+          </a:bodyPr>
+          <a:lstStyle/>
+          <a:p>
+            <a:r>
+              <a:rPr lang="es-ES" dirty="0"/>
+              <a:t>Vistas</a:t>
+            </a:r>
+            <a:endParaRPr lang="en-US" dirty="0"/>
+          </a:p>
+        </p:txBody>
+      </p:sp>
+      <p:pic>
+        <p:nvPicPr>
+          <p:cNvPr id="9" name="Imagen 8">
+            <a:extLst>
+              <a:ext uri="{FF2B5EF4-FFF2-40B4-BE49-F238E27FC236}">
+                <a16:creationId xmlns:a16="http://schemas.microsoft.com/office/drawing/2014/main" id="{F3AAE979-C32C-4A41-8E55-7D5746E8B551}"/>
+              </a:ext>
+            </a:extLst>
+          </p:cNvPr>
+          <p:cNvPicPr>
+            <a:picLocks noChangeAspect="1"/>
+          </p:cNvPicPr>
+          <p:nvPr/>
+        </p:nvPicPr>
+        <p:blipFill>
+          <a:blip r:embed="rId4"/>
+          <a:stretch>
+            <a:fillRect/>
+          </a:stretch>
+        </p:blipFill>
+        <p:spPr>
+          <a:xfrm>
+            <a:off x="2995613" y="2577555"/>
+            <a:ext cx="1684672" cy="1192521"/>
+          </a:xfrm>
+          <a:prstGeom prst="rect">
+            <a:avLst/>
+          </a:prstGeom>
+        </p:spPr>
+      </p:pic>
+      <p:pic>
+        <p:nvPicPr>
+          <p:cNvPr id="10" name="Imagen 9">
+            <a:extLst>
+              <a:ext uri="{FF2B5EF4-FFF2-40B4-BE49-F238E27FC236}">
+                <a16:creationId xmlns:a16="http://schemas.microsoft.com/office/drawing/2014/main" id="{1001634A-05F4-481A-BA4B-0D23A17B41D0}"/>
+              </a:ext>
+            </a:extLst>
+          </p:cNvPr>
+          <p:cNvPicPr>
+            <a:picLocks noChangeAspect="1"/>
+          </p:cNvPicPr>
+          <p:nvPr/>
+        </p:nvPicPr>
+        <p:blipFill>
+          <a:blip r:embed="rId5"/>
+          <a:stretch>
+            <a:fillRect/>
+          </a:stretch>
+        </p:blipFill>
+        <p:spPr>
+          <a:xfrm>
+            <a:off x="5449929" y="2518283"/>
+            <a:ext cx="1292142" cy="1292142"/>
+          </a:xfrm>
+          <a:prstGeom prst="rect">
+            <a:avLst/>
+          </a:prstGeom>
+        </p:spPr>
+      </p:pic>
+      <p:sp>
+        <p:nvSpPr>
+          <p:cNvPr id="12" name="CuadroTexto 11">
+            <a:extLst>
+              <a:ext uri="{FF2B5EF4-FFF2-40B4-BE49-F238E27FC236}">
+                <a16:creationId xmlns:a16="http://schemas.microsoft.com/office/drawing/2014/main" id="{066DA589-2214-4505-8E95-F6ABF783E3DA}"/>
+              </a:ext>
+            </a:extLst>
+          </p:cNvPr>
+          <p:cNvSpPr txBox="1"/>
+          <p:nvPr/>
+        </p:nvSpPr>
+        <p:spPr>
+          <a:xfrm>
+            <a:off x="3356810" y="3625759"/>
+            <a:ext cx="1007520" cy="369332"/>
+          </a:xfrm>
+          <a:prstGeom prst="rect">
+            <a:avLst/>
+          </a:prstGeom>
+          <a:noFill/>
+        </p:spPr>
+        <p:txBody>
+          <a:bodyPr wrap="none" rtlCol="0">
+            <a:spAutoFit/>
+          </a:bodyPr>
+          <a:lstStyle/>
+          <a:p>
+            <a:r>
+              <a:rPr lang="es-ES" dirty="0"/>
+              <a:t>Servicios</a:t>
+            </a:r>
+            <a:endParaRPr lang="en-US" dirty="0"/>
+          </a:p>
+        </p:txBody>
+      </p:sp>
+      <p:sp>
+        <p:nvSpPr>
+          <p:cNvPr id="13" name="CuadroTexto 12">
+            <a:extLst>
+              <a:ext uri="{FF2B5EF4-FFF2-40B4-BE49-F238E27FC236}">
+                <a16:creationId xmlns:a16="http://schemas.microsoft.com/office/drawing/2014/main" id="{4CD11292-9BAE-4EE7-936E-BC938F26152F}"/>
+              </a:ext>
+            </a:extLst>
+          </p:cNvPr>
+          <p:cNvSpPr txBox="1"/>
+          <p:nvPr/>
+        </p:nvSpPr>
+        <p:spPr>
+          <a:xfrm>
+            <a:off x="5309342" y="3625759"/>
+            <a:ext cx="1573316" cy="369332"/>
+          </a:xfrm>
+          <a:prstGeom prst="rect">
+            <a:avLst/>
+          </a:prstGeom>
+          <a:noFill/>
+        </p:spPr>
+        <p:txBody>
+          <a:bodyPr wrap="none" rtlCol="0">
+            <a:spAutoFit/>
+          </a:bodyPr>
+          <a:lstStyle/>
+          <a:p>
+            <a:r>
+              <a:rPr lang="es-ES" dirty="0"/>
+              <a:t>Acceso a datos</a:t>
+            </a:r>
+            <a:endParaRPr lang="en-US" dirty="0"/>
+          </a:p>
+        </p:txBody>
+      </p:sp>
+      <p:pic>
+        <p:nvPicPr>
+          <p:cNvPr id="14" name="Imagen 13">
+            <a:extLst>
+              <a:ext uri="{FF2B5EF4-FFF2-40B4-BE49-F238E27FC236}">
+                <a16:creationId xmlns:a16="http://schemas.microsoft.com/office/drawing/2014/main" id="{8E8B29A3-2079-4852-BABD-529092D8119B}"/>
+              </a:ext>
+            </a:extLst>
+          </p:cNvPr>
+          <p:cNvPicPr>
+            <a:picLocks noChangeAspect="1"/>
+          </p:cNvPicPr>
+          <p:nvPr/>
+        </p:nvPicPr>
+        <p:blipFill>
+          <a:blip r:embed="rId6"/>
+          <a:stretch>
+            <a:fillRect/>
+          </a:stretch>
+        </p:blipFill>
+        <p:spPr>
+          <a:xfrm>
+            <a:off x="7681661" y="1863681"/>
+            <a:ext cx="2388771" cy="1470013"/>
+          </a:xfrm>
+          <a:prstGeom prst="rect">
+            <a:avLst/>
+          </a:prstGeom>
+        </p:spPr>
+      </p:pic>
+      <p:pic>
+        <p:nvPicPr>
+          <p:cNvPr id="15" name="Imagen 14">
+            <a:extLst>
+              <a:ext uri="{FF2B5EF4-FFF2-40B4-BE49-F238E27FC236}">
+                <a16:creationId xmlns:a16="http://schemas.microsoft.com/office/drawing/2014/main" id="{98AF9A10-1D9A-4752-B8D5-62B8AFD512DD}"/>
+              </a:ext>
+            </a:extLst>
+          </p:cNvPr>
+          <p:cNvPicPr>
+            <a:picLocks noChangeAspect="1"/>
+          </p:cNvPicPr>
+          <p:nvPr/>
+        </p:nvPicPr>
+        <p:blipFill>
+          <a:blip r:embed="rId7"/>
+          <a:stretch>
+            <a:fillRect/>
+          </a:stretch>
+        </p:blipFill>
+        <p:spPr>
+          <a:xfrm>
+            <a:off x="8420654" y="3333694"/>
+            <a:ext cx="1084293" cy="1084293"/>
+          </a:xfrm>
+          <a:prstGeom prst="rect">
+            <a:avLst/>
+          </a:prstGeom>
+        </p:spPr>
+      </p:pic>
+      <p:sp>
+        <p:nvSpPr>
+          <p:cNvPr id="16" name="Flecha: a la izquierda y derecha 15">
+            <a:extLst>
+              <a:ext uri="{FF2B5EF4-FFF2-40B4-BE49-F238E27FC236}">
+                <a16:creationId xmlns:a16="http://schemas.microsoft.com/office/drawing/2014/main" id="{22AA5F13-9C86-4340-981F-0553996A56D4}"/>
+              </a:ext>
+            </a:extLst>
+          </p:cNvPr>
+          <p:cNvSpPr/>
+          <p:nvPr/>
+        </p:nvSpPr>
+        <p:spPr>
+          <a:xfrm>
+            <a:off x="2342541" y="2962506"/>
+            <a:ext cx="950494" cy="484632"/>
+          </a:xfrm>
+          <a:prstGeom prst="leftRightArrow">
+            <a:avLst/>
+          </a:prstGeom>
+        </p:spPr>
+        <p:style>
+          <a:lnRef idx="2">
+            <a:schemeClr val="accent1">
+              <a:shade val="50000"/>
+            </a:schemeClr>
+          </a:lnRef>
+          <a:fillRef idx="1">
+            <a:schemeClr val="accent1"/>
+          </a:fillRef>
+          <a:effectRef idx="0">
+            <a:schemeClr val="accent1"/>
+          </a:effectRef>
+          <a:fontRef idx="minor">
+            <a:schemeClr val="lt1"/>
+          </a:fontRef>
+        </p:style>
+        <p:txBody>
+          <a:bodyPr rtlCol="0" anchor="ctr"/>
+          <a:lstStyle/>
+          <a:p>
+            <a:pPr algn="ctr"/>
+            <a:endParaRPr lang="en-US"/>
+          </a:p>
+        </p:txBody>
+      </p:sp>
+      <p:pic>
+        <p:nvPicPr>
+          <p:cNvPr id="17" name="Imagen 16">
+            <a:extLst>
+              <a:ext uri="{FF2B5EF4-FFF2-40B4-BE49-F238E27FC236}">
+                <a16:creationId xmlns:a16="http://schemas.microsoft.com/office/drawing/2014/main" id="{FA5C7567-F13B-4020-90B3-86E7A78248D8}"/>
+              </a:ext>
+            </a:extLst>
+          </p:cNvPr>
+          <p:cNvPicPr>
+            <a:picLocks noChangeAspect="1"/>
+          </p:cNvPicPr>
+          <p:nvPr/>
+        </p:nvPicPr>
+        <p:blipFill>
+          <a:blip r:embed="rId8"/>
+          <a:stretch>
+            <a:fillRect/>
+          </a:stretch>
+        </p:blipFill>
+        <p:spPr>
+          <a:xfrm>
+            <a:off x="4443833" y="2962506"/>
+            <a:ext cx="975445" cy="518205"/>
+          </a:xfrm>
+          <a:prstGeom prst="rect">
+            <a:avLst/>
+          </a:prstGeom>
+        </p:spPr>
+      </p:pic>
+      <p:pic>
+        <p:nvPicPr>
+          <p:cNvPr id="18" name="Imagen 17">
+            <a:extLst>
+              <a:ext uri="{FF2B5EF4-FFF2-40B4-BE49-F238E27FC236}">
+                <a16:creationId xmlns:a16="http://schemas.microsoft.com/office/drawing/2014/main" id="{D3814C80-1B87-41BF-893C-FC322650DAD7}"/>
+              </a:ext>
+            </a:extLst>
+          </p:cNvPr>
+          <p:cNvPicPr>
+            <a:picLocks noChangeAspect="1"/>
+          </p:cNvPicPr>
+          <p:nvPr/>
+        </p:nvPicPr>
+        <p:blipFill>
+          <a:blip r:embed="rId9"/>
+          <a:stretch>
+            <a:fillRect/>
+          </a:stretch>
+        </p:blipFill>
+        <p:spPr>
+          <a:xfrm rot="20215053">
+            <a:off x="6978316" y="2444301"/>
+            <a:ext cx="1021121" cy="518205"/>
+          </a:xfrm>
+          <a:prstGeom prst="rect">
+            <a:avLst/>
+          </a:prstGeom>
+        </p:spPr>
+      </p:pic>
+      <p:pic>
+        <p:nvPicPr>
+          <p:cNvPr id="19" name="Imagen 18">
+            <a:extLst>
+              <a:ext uri="{FF2B5EF4-FFF2-40B4-BE49-F238E27FC236}">
+                <a16:creationId xmlns:a16="http://schemas.microsoft.com/office/drawing/2014/main" id="{F8FD9CBB-DD9D-41F9-929E-3AB73DCF7C90}"/>
+              </a:ext>
+            </a:extLst>
+          </p:cNvPr>
+          <p:cNvPicPr>
+            <a:picLocks noChangeAspect="1"/>
+          </p:cNvPicPr>
+          <p:nvPr/>
+        </p:nvPicPr>
+        <p:blipFill>
+          <a:blip r:embed="rId10"/>
+          <a:stretch>
+            <a:fillRect/>
+          </a:stretch>
+        </p:blipFill>
+        <p:spPr>
+          <a:xfrm rot="2193246">
+            <a:off x="6928466" y="3143412"/>
+            <a:ext cx="1230442" cy="883997"/>
+          </a:xfrm>
+          <a:prstGeom prst="rect">
+            <a:avLst/>
+          </a:prstGeom>
+        </p:spPr>
+      </p:pic>
+    </p:spTree>
+    <p:extLst>
+      <p:ext uri="{BB962C8B-B14F-4D97-AF65-F5344CB8AC3E}">
+        <p14:creationId xmlns:p14="http://schemas.microsoft.com/office/powerpoint/2010/main" val="2441746389"/>
+      </p:ext>
+    </p:extLst>
+  </p:cSld>
+  <p:clrMapOvr>
+    <a:masterClrMapping/>
+  </p:clrMapOvr>
+</p:sld>
+</file>
+
+<file path=ppt/slides/slide19.xml><?xml version="1.0" encoding="utf-8"?>
+<p:sld xmlns:a="http://schemas.openxmlformats.org/drawingml/2006/main" xmlns:r="http://schemas.openxmlformats.org/officeDocument/2006/relationships" xmlns:p="http://schemas.openxmlformats.org/presentationml/2006/main">
+  <p:cSld>
+    <p:spTree>
+      <p:nvGrpSpPr>
+        <p:cNvPr id="1" name=""/>
+        <p:cNvGrpSpPr/>
+        <p:nvPr/>
+      </p:nvGrpSpPr>
+      <p:grpSpPr>
+        <a:xfrm>
+          <a:off x="0" y="0"/>
+          <a:ext cx="0" cy="0"/>
+          <a:chOff x="0" y="0"/>
+          <a:chExt cx="0" cy="0"/>
+        </a:xfrm>
+      </p:grpSpPr>
+      <p:sp>
+        <p:nvSpPr>
+          <p:cNvPr id="2" name="Title 1"/>
+          <p:cNvSpPr>
+            <a:spLocks noGrp="1"/>
+          </p:cNvSpPr>
+          <p:nvPr>
+            <p:ph type="title"/>
+          </p:nvPr>
+        </p:nvSpPr>
+        <p:spPr/>
+        <p:txBody>
+          <a:bodyPr/>
+          <a:lstStyle/>
+          <a:p>
+            <a:r>
+              <a:rPr lang="en-US" dirty="0"/>
+              <a:t>SPA </a:t>
+            </a:r>
+            <a:r>
+              <a:rPr lang="en-US" dirty="0" err="1"/>
+              <a:t>Vue</a:t>
+            </a:r>
+            <a:r>
+              <a:rPr lang="en-US" dirty="0"/>
+              <a:t> </a:t>
+            </a:r>
+            <a:r>
+              <a:rPr lang="en-US" dirty="0" err="1"/>
+              <a:t>Arquitectura</a:t>
+            </a:r>
+            <a:r>
+              <a:rPr lang="en-US" dirty="0"/>
+              <a:t>. </a:t>
+            </a:r>
+          </a:p>
+        </p:txBody>
+      </p:sp>
+      <p:sp>
+        <p:nvSpPr>
+          <p:cNvPr id="3" name="Rectangle 2"/>
+          <p:cNvSpPr/>
+          <p:nvPr/>
+        </p:nvSpPr>
+        <p:spPr>
+          <a:xfrm>
+            <a:off x="1385455" y="1690688"/>
+            <a:ext cx="7797046" cy="430887"/>
+          </a:xfrm>
+          <a:prstGeom prst="rect">
+            <a:avLst/>
+          </a:prstGeom>
+        </p:spPr>
+        <p:txBody>
+          <a:bodyPr wrap="square">
+            <a:spAutoFit/>
+          </a:bodyPr>
+          <a:lstStyle/>
+          <a:p>
+            <a:pPr marL="342900" indent="-342900">
+              <a:buFont typeface="Arial" panose="020B0604020202020204" pitchFamily="34" charset="0"/>
+              <a:buChar char="•"/>
+            </a:pPr>
+            <a:endParaRPr lang="es-ES" sz="2200" dirty="0">
+              <a:latin typeface="Segoe UI Light" panose="020B0502040204020203" pitchFamily="34" charset="0"/>
+              <a:cs typeface="Segoe UI Light" panose="020B0502040204020203" pitchFamily="34" charset="0"/>
+            </a:endParaRPr>
+          </a:p>
+        </p:txBody>
+      </p:sp>
+      <p:sp>
+        <p:nvSpPr>
+          <p:cNvPr id="4" name="CuadroTexto 3">
+            <a:extLst>
+              <a:ext uri="{FF2B5EF4-FFF2-40B4-BE49-F238E27FC236}">
+                <a16:creationId xmlns:a16="http://schemas.microsoft.com/office/drawing/2014/main" id="{12BA34B7-4EAC-4826-BC10-A9CDDC21DFAF}"/>
+              </a:ext>
+            </a:extLst>
+          </p:cNvPr>
+          <p:cNvSpPr txBox="1"/>
+          <p:nvPr/>
+        </p:nvSpPr>
+        <p:spPr>
+          <a:xfrm>
+            <a:off x="264695" y="1690688"/>
+            <a:ext cx="11273590" cy="369332"/>
+          </a:xfrm>
+          <a:prstGeom prst="rect">
+            <a:avLst/>
+          </a:prstGeom>
+          <a:noFill/>
+        </p:spPr>
+        <p:txBody>
+          <a:bodyPr wrap="square" rtlCol="0">
+            <a:spAutoFit/>
+          </a:bodyPr>
+          <a:lstStyle/>
+          <a:p>
+            <a:pPr marL="342900" indent="-342900">
+              <a:buFont typeface="+mj-lt"/>
+              <a:buAutoNum type="arabicPeriod"/>
+            </a:pPr>
+            <a:endParaRPr lang="en-US" dirty="0"/>
+          </a:p>
+        </p:txBody>
+      </p:sp>
+      <p:pic>
+        <p:nvPicPr>
+          <p:cNvPr id="5" name="Imagen 4">
+            <a:extLst>
+              <a:ext uri="{FF2B5EF4-FFF2-40B4-BE49-F238E27FC236}">
+                <a16:creationId xmlns:a16="http://schemas.microsoft.com/office/drawing/2014/main" id="{8121AE8B-D103-4355-B78C-AF6585B5C9DE}"/>
+              </a:ext>
+            </a:extLst>
+          </p:cNvPr>
+          <p:cNvPicPr>
+            <a:picLocks noChangeAspect="1"/>
+          </p:cNvPicPr>
+          <p:nvPr/>
+        </p:nvPicPr>
+        <p:blipFill>
+          <a:blip r:embed="rId3"/>
+          <a:stretch>
+            <a:fillRect/>
+          </a:stretch>
+        </p:blipFill>
+        <p:spPr>
+          <a:xfrm>
+            <a:off x="4169497" y="1554317"/>
+            <a:ext cx="3853006" cy="3749365"/>
+          </a:xfrm>
+          <a:prstGeom prst="rect">
+            <a:avLst/>
+          </a:prstGeom>
+        </p:spPr>
+      </p:pic>
+    </p:spTree>
+    <p:extLst>
+      <p:ext uri="{BB962C8B-B14F-4D97-AF65-F5344CB8AC3E}">
+        <p14:creationId xmlns:p14="http://schemas.microsoft.com/office/powerpoint/2010/main" val="2607547397"/>
+      </p:ext>
+    </p:extLst>
+  </p:cSld>
+  <p:clrMapOvr>
+    <a:masterClrMapping/>
+  </p:clrMapOvr>
+</p:sld>
+</file>
+
+<file path=ppt/slides/slide2.xml><?xml version="1.0" encoding="utf-8"?>
+<p:sld xmlns:a="http://schemas.openxmlformats.org/drawingml/2006/main" xmlns:r="http://schemas.openxmlformats.org/officeDocument/2006/relationships" xmlns:p="http://schemas.openxmlformats.org/presentationml/2006/main">
+  <p:cSld>
+    <p:spTree>
+      <p:nvGrpSpPr>
+        <p:cNvPr id="1" name=""/>
+        <p:cNvGrpSpPr/>
+        <p:nvPr/>
+      </p:nvGrpSpPr>
+      <p:grpSpPr>
+        <a:xfrm>
+          <a:off x="0" y="0"/>
+          <a:ext cx="0" cy="0"/>
+          <a:chOff x="0" y="0"/>
+          <a:chExt cx="0" cy="0"/>
+        </a:xfrm>
+      </p:grpSpPr>
+      <p:sp>
+        <p:nvSpPr>
+          <p:cNvPr id="2" name="Title 1"/>
+          <p:cNvSpPr>
+            <a:spLocks noGrp="1"/>
+          </p:cNvSpPr>
+          <p:nvPr>
+            <p:ph type="title"/>
+          </p:nvPr>
+        </p:nvSpPr>
+        <p:spPr/>
+        <p:txBody>
+          <a:bodyPr/>
+          <a:lstStyle/>
+          <a:p>
+            <a:r>
+              <a:rPr lang="es-ES" dirty="0"/>
+              <a:t>Objetivos</a:t>
+            </a:r>
+          </a:p>
+        </p:txBody>
+      </p:sp>
+      <p:sp>
+        <p:nvSpPr>
+          <p:cNvPr id="3" name="Content Placeholder 2"/>
+          <p:cNvSpPr>
+            <a:spLocks noGrp="1"/>
+          </p:cNvSpPr>
+          <p:nvPr>
+            <p:ph idx="1"/>
+          </p:nvPr>
+        </p:nvSpPr>
+        <p:spPr>
+          <a:xfrm>
+            <a:off x="737796" y="1806687"/>
+            <a:ext cx="10515600" cy="1425388"/>
+          </a:xfrm>
+        </p:spPr>
+        <p:txBody>
+          <a:bodyPr/>
+          <a:lstStyle/>
+          <a:p>
+            <a:endParaRPr lang="es-ES" dirty="0"/>
+          </a:p>
+          <a:p>
+            <a:r>
+              <a:rPr lang="es-ES" dirty="0"/>
+              <a:t>Entender para que sirve VUE</a:t>
+            </a:r>
+          </a:p>
+          <a:p>
+            <a:r>
+              <a:rPr lang="es-ES" dirty="0"/>
+              <a:t>Entender porque  creemos que es mejor utilizar VUE que </a:t>
+            </a:r>
+            <a:r>
+              <a:rPr lang="es-ES" dirty="0" err="1"/>
+              <a:t>Vanilla</a:t>
+            </a:r>
+            <a:r>
+              <a:rPr lang="es-ES" dirty="0"/>
+              <a:t> JS</a:t>
+            </a:r>
+          </a:p>
+          <a:p>
+            <a:r>
+              <a:rPr lang="es-ES" dirty="0"/>
+              <a:t>Comenzar a utilizar VUE</a:t>
+            </a:r>
+          </a:p>
+          <a:p>
+            <a:r>
+              <a:rPr lang="es-ES" dirty="0"/>
+              <a:t>Conocer el </a:t>
+            </a:r>
+            <a:r>
+              <a:rPr lang="es-ES" dirty="0" err="1"/>
+              <a:t>Vue</a:t>
+            </a:r>
+            <a:r>
+              <a:rPr lang="es-ES" dirty="0"/>
+              <a:t> </a:t>
+            </a:r>
+            <a:r>
+              <a:rPr lang="es-ES" dirty="0" err="1"/>
+              <a:t>Router</a:t>
+            </a:r>
+            <a:endParaRPr lang="es-ES" dirty="0"/>
+          </a:p>
+        </p:txBody>
+      </p:sp>
+    </p:spTree>
+    <p:extLst>
+      <p:ext uri="{BB962C8B-B14F-4D97-AF65-F5344CB8AC3E}">
+        <p14:creationId xmlns:p14="http://schemas.microsoft.com/office/powerpoint/2010/main" val="2959072080"/>
+      </p:ext>
+    </p:extLst>
+  </p:cSld>
+  <p:clrMapOvr>
+    <a:masterClrMapping/>
+  </p:clrMapOvr>
+</p:sld>
+</file>
+
+<file path=ppt/slides/slide20.xml><?xml version="1.0" encoding="utf-8"?>
+<p:sld xmlns:a="http://schemas.openxmlformats.org/drawingml/2006/main" xmlns:r="http://schemas.openxmlformats.org/officeDocument/2006/relationships" xmlns:p="http://schemas.openxmlformats.org/presentationml/2006/main">
+  <p:cSld>
+    <p:spTree>
+      <p:nvGrpSpPr>
+        <p:cNvPr id="1" name=""/>
+        <p:cNvGrpSpPr/>
+        <p:nvPr/>
+      </p:nvGrpSpPr>
+      <p:grpSpPr>
+        <a:xfrm>
+          <a:off x="0" y="0"/>
+          <a:ext cx="0" cy="0"/>
+          <a:chOff x="0" y="0"/>
+          <a:chExt cx="0" cy="0"/>
+        </a:xfrm>
+      </p:grpSpPr>
+      <p:sp>
+        <p:nvSpPr>
+          <p:cNvPr id="2" name="Title 1"/>
+          <p:cNvSpPr>
+            <a:spLocks noGrp="1"/>
+          </p:cNvSpPr>
+          <p:nvPr>
+            <p:ph type="title"/>
+          </p:nvPr>
+        </p:nvSpPr>
+        <p:spPr/>
+        <p:txBody>
+          <a:bodyPr/>
+          <a:lstStyle/>
+          <a:p>
+            <a:r>
+              <a:rPr lang="en-US" dirty="0" err="1"/>
+              <a:t>Vuex</a:t>
+            </a:r>
+            <a:r>
+              <a:rPr lang="en-US" dirty="0"/>
+              <a:t>. Que </a:t>
+            </a:r>
+            <a:r>
+              <a:rPr lang="en-US" dirty="0" err="1"/>
+              <a:t>es</a:t>
+            </a:r>
+            <a:endParaRPr lang="en-US" dirty="0"/>
+          </a:p>
+        </p:txBody>
+      </p:sp>
+      <p:sp>
+        <p:nvSpPr>
+          <p:cNvPr id="3" name="Rectangle 2"/>
+          <p:cNvSpPr/>
+          <p:nvPr/>
+        </p:nvSpPr>
+        <p:spPr>
+          <a:xfrm>
+            <a:off x="1385455" y="1690688"/>
+            <a:ext cx="7797046" cy="430887"/>
+          </a:xfrm>
+          <a:prstGeom prst="rect">
+            <a:avLst/>
+          </a:prstGeom>
+        </p:spPr>
+        <p:txBody>
+          <a:bodyPr wrap="square">
+            <a:spAutoFit/>
+          </a:bodyPr>
+          <a:lstStyle/>
+          <a:p>
+            <a:pPr marL="342900" indent="-342900">
+              <a:buFont typeface="Arial" panose="020B0604020202020204" pitchFamily="34" charset="0"/>
+              <a:buChar char="•"/>
+            </a:pPr>
+            <a:endParaRPr lang="es-ES" sz="2200" dirty="0">
+              <a:latin typeface="Segoe UI Light" panose="020B0502040204020203" pitchFamily="34" charset="0"/>
+              <a:cs typeface="Segoe UI Light" panose="020B0502040204020203" pitchFamily="34" charset="0"/>
+            </a:endParaRPr>
+          </a:p>
+        </p:txBody>
+      </p:sp>
+      <p:sp>
+        <p:nvSpPr>
+          <p:cNvPr id="4" name="CuadroTexto 3">
+            <a:extLst>
+              <a:ext uri="{FF2B5EF4-FFF2-40B4-BE49-F238E27FC236}">
+                <a16:creationId xmlns:a16="http://schemas.microsoft.com/office/drawing/2014/main" id="{12BA34B7-4EAC-4826-BC10-A9CDDC21DFAF}"/>
+              </a:ext>
+            </a:extLst>
+          </p:cNvPr>
+          <p:cNvSpPr txBox="1"/>
+          <p:nvPr/>
+        </p:nvSpPr>
+        <p:spPr>
+          <a:xfrm>
+            <a:off x="838200" y="1690688"/>
+            <a:ext cx="4900864" cy="2308324"/>
+          </a:xfrm>
+          <a:prstGeom prst="rect">
+            <a:avLst/>
+          </a:prstGeom>
+          <a:noFill/>
+        </p:spPr>
+        <p:txBody>
+          <a:bodyPr wrap="square" rtlCol="0">
+            <a:spAutoFit/>
+          </a:bodyPr>
+          <a:lstStyle/>
+          <a:p>
+            <a:pPr marL="342900" indent="-342900">
+              <a:buFont typeface="Arial" panose="020B0604020202020204" pitchFamily="34" charset="0"/>
+              <a:buChar char="•"/>
+            </a:pPr>
+            <a:r>
+              <a:rPr lang="es-ES" dirty="0" err="1"/>
+              <a:t>Vuex</a:t>
+            </a:r>
+            <a:r>
+              <a:rPr lang="es-ES" dirty="0"/>
+              <a:t> es una librería de gestión del estado que sirve como store centralizado de la aplicación</a:t>
+            </a:r>
+          </a:p>
+          <a:p>
+            <a:pPr marL="342900" indent="-342900">
+              <a:buFont typeface="Arial" panose="020B0604020202020204" pitchFamily="34" charset="0"/>
+              <a:buChar char="•"/>
+            </a:pPr>
+            <a:endParaRPr lang="es-ES" dirty="0"/>
+          </a:p>
+          <a:p>
+            <a:pPr marL="342900" indent="-342900">
+              <a:buFont typeface="Arial" panose="020B0604020202020204" pitchFamily="34" charset="0"/>
+              <a:buChar char="•"/>
+            </a:pPr>
+            <a:r>
+              <a:rPr lang="es-ES" dirty="0"/>
+              <a:t>Básicamente es un </a:t>
+            </a:r>
+            <a:r>
+              <a:rPr lang="es-ES" dirty="0" err="1"/>
+              <a:t>singlenton</a:t>
+            </a:r>
+            <a:r>
+              <a:rPr lang="es-ES" dirty="0"/>
+              <a:t> donde tenemos todos nuestros datos</a:t>
+            </a:r>
+          </a:p>
+          <a:p>
+            <a:pPr marL="342900" indent="-342900">
+              <a:buFont typeface="Arial" panose="020B0604020202020204" pitchFamily="34" charset="0"/>
+              <a:buChar char="•"/>
+            </a:pPr>
+            <a:endParaRPr lang="es-ES" dirty="0"/>
+          </a:p>
+          <a:p>
+            <a:pPr marL="342900" indent="-342900">
+              <a:buFont typeface="Arial" panose="020B0604020202020204" pitchFamily="34" charset="0"/>
+              <a:buChar char="•"/>
+            </a:pPr>
+            <a:r>
+              <a:rPr lang="es-ES" dirty="0"/>
+              <a:t>Esta basado al igual que el resto de </a:t>
+            </a:r>
+            <a:r>
+              <a:rPr lang="es-ES" dirty="0" err="1"/>
+              <a:t>Vue</a:t>
+            </a:r>
+            <a:r>
+              <a:rPr lang="es-ES" dirty="0"/>
+              <a:t> en el concepto de reactividad</a:t>
+            </a:r>
+            <a:endParaRPr lang="en-US" dirty="0"/>
+          </a:p>
+        </p:txBody>
+      </p:sp>
+      <p:pic>
+        <p:nvPicPr>
+          <p:cNvPr id="8" name="Imagen 7">
+            <a:extLst>
+              <a:ext uri="{FF2B5EF4-FFF2-40B4-BE49-F238E27FC236}">
+                <a16:creationId xmlns:a16="http://schemas.microsoft.com/office/drawing/2014/main" id="{C8383A5C-1AAA-4C2E-B1A7-D77295537AB6}"/>
+              </a:ext>
+            </a:extLst>
+          </p:cNvPr>
+          <p:cNvPicPr>
+            <a:picLocks noChangeAspect="1"/>
+          </p:cNvPicPr>
+          <p:nvPr/>
+        </p:nvPicPr>
+        <p:blipFill>
+          <a:blip r:embed="rId3"/>
+          <a:stretch>
+            <a:fillRect/>
+          </a:stretch>
+        </p:blipFill>
+        <p:spPr>
+          <a:xfrm>
+            <a:off x="5790043" y="1443790"/>
+            <a:ext cx="4725857" cy="4930440"/>
+          </a:xfrm>
+          <a:prstGeom prst="rect">
+            <a:avLst/>
+          </a:prstGeom>
+        </p:spPr>
+      </p:pic>
+    </p:spTree>
+    <p:extLst>
+      <p:ext uri="{BB962C8B-B14F-4D97-AF65-F5344CB8AC3E}">
+        <p14:creationId xmlns:p14="http://schemas.microsoft.com/office/powerpoint/2010/main" val="3952660348"/>
+      </p:ext>
+    </p:extLst>
+  </p:cSld>
+  <p:clrMapOvr>
+    <a:masterClrMapping/>
+  </p:clrMapOvr>
+</p:sld>
+</file>
+
+<file path=ppt/slides/slide21.xml><?xml version="1.0" encoding="utf-8"?>
+<p:sld xmlns:a="http://schemas.openxmlformats.org/drawingml/2006/main" xmlns:r="http://schemas.openxmlformats.org/officeDocument/2006/relationships" xmlns:p="http://schemas.openxmlformats.org/presentationml/2006/main">
+  <p:cSld>
+    <p:spTree>
+      <p:nvGrpSpPr>
+        <p:cNvPr id="1" name=""/>
+        <p:cNvGrpSpPr/>
+        <p:nvPr/>
+      </p:nvGrpSpPr>
+      <p:grpSpPr>
+        <a:xfrm>
+          <a:off x="0" y="0"/>
+          <a:ext cx="0" cy="0"/>
+          <a:chOff x="0" y="0"/>
+          <a:chExt cx="0" cy="0"/>
+        </a:xfrm>
+      </p:grpSpPr>
+      <p:sp>
+        <p:nvSpPr>
+          <p:cNvPr id="2" name="Title 1"/>
+          <p:cNvSpPr>
+            <a:spLocks noGrp="1"/>
+          </p:cNvSpPr>
+          <p:nvPr>
+            <p:ph type="title"/>
+          </p:nvPr>
+        </p:nvSpPr>
+        <p:spPr/>
+        <p:txBody>
+          <a:bodyPr/>
+          <a:lstStyle/>
+          <a:p>
+            <a:r>
+              <a:rPr lang="en-US" dirty="0" err="1"/>
+              <a:t>Vuex</a:t>
+            </a:r>
+            <a:r>
+              <a:rPr lang="en-US" dirty="0"/>
+              <a:t>. </a:t>
+            </a:r>
+            <a:r>
+              <a:rPr lang="en-US" dirty="0" err="1"/>
+              <a:t>Porqué</a:t>
+            </a:r>
+            <a:endParaRPr lang="en-US" dirty="0"/>
+          </a:p>
+        </p:txBody>
+      </p:sp>
+      <p:sp>
+        <p:nvSpPr>
+          <p:cNvPr id="3" name="Rectangle 2"/>
+          <p:cNvSpPr/>
+          <p:nvPr/>
+        </p:nvSpPr>
+        <p:spPr>
+          <a:xfrm>
+            <a:off x="1385455" y="1690688"/>
+            <a:ext cx="7797046" cy="430887"/>
+          </a:xfrm>
+          <a:prstGeom prst="rect">
+            <a:avLst/>
+          </a:prstGeom>
+        </p:spPr>
+        <p:txBody>
+          <a:bodyPr wrap="square">
+            <a:spAutoFit/>
+          </a:bodyPr>
+          <a:lstStyle/>
+          <a:p>
+            <a:pPr marL="342900" indent="-342900">
+              <a:buFont typeface="Arial" panose="020B0604020202020204" pitchFamily="34" charset="0"/>
+              <a:buChar char="•"/>
+            </a:pPr>
+            <a:endParaRPr lang="es-ES" sz="2200" dirty="0">
+              <a:latin typeface="Segoe UI Light" panose="020B0502040204020203" pitchFamily="34" charset="0"/>
+              <a:cs typeface="Segoe UI Light" panose="020B0502040204020203" pitchFamily="34" charset="0"/>
+            </a:endParaRPr>
+          </a:p>
+        </p:txBody>
+      </p:sp>
+      <p:sp>
+        <p:nvSpPr>
+          <p:cNvPr id="4" name="CuadroTexto 3">
+            <a:extLst>
+              <a:ext uri="{FF2B5EF4-FFF2-40B4-BE49-F238E27FC236}">
+                <a16:creationId xmlns:a16="http://schemas.microsoft.com/office/drawing/2014/main" id="{12BA34B7-4EAC-4826-BC10-A9CDDC21DFAF}"/>
+              </a:ext>
+            </a:extLst>
+          </p:cNvPr>
+          <p:cNvSpPr txBox="1"/>
+          <p:nvPr/>
+        </p:nvSpPr>
+        <p:spPr>
+          <a:xfrm>
+            <a:off x="838199" y="1690688"/>
+            <a:ext cx="10700085" cy="1754326"/>
+          </a:xfrm>
+          <a:prstGeom prst="rect">
+            <a:avLst/>
+          </a:prstGeom>
+          <a:noFill/>
+        </p:spPr>
+        <p:txBody>
+          <a:bodyPr wrap="square" rtlCol="0">
+            <a:spAutoFit/>
+          </a:bodyPr>
+          <a:lstStyle/>
+          <a:p>
+            <a:pPr marL="342900" indent="-342900">
+              <a:buFont typeface="Arial" panose="020B0604020202020204" pitchFamily="34" charset="0"/>
+              <a:buChar char="•"/>
+            </a:pPr>
+            <a:r>
+              <a:rPr lang="es-ES" dirty="0"/>
+              <a:t>Las spa pueden llegar a ser bastante complejas. Y nos podemos encontrar con</a:t>
+            </a:r>
+          </a:p>
+          <a:p>
+            <a:pPr marL="800100" lvl="1" indent="-342900">
+              <a:buFont typeface="Arial" panose="020B0604020202020204" pitchFamily="34" charset="0"/>
+              <a:buChar char="•"/>
+            </a:pPr>
+            <a:r>
+              <a:rPr lang="es-ES" dirty="0"/>
+              <a:t>Diferentes componentes que muestran o modifican la misma información</a:t>
+            </a:r>
+          </a:p>
+          <a:p>
+            <a:pPr marL="800100" lvl="1" indent="-342900">
+              <a:buFont typeface="Arial" panose="020B0604020202020204" pitchFamily="34" charset="0"/>
+              <a:buChar char="•"/>
+            </a:pPr>
+            <a:r>
+              <a:rPr lang="es-ES" dirty="0"/>
+              <a:t>La información que tiene que fluir a través del árbol de componentes, pasándonoslo de uno a otro. Lo cual genera mucho código y complica el mantenimiento</a:t>
+            </a:r>
+          </a:p>
+          <a:p>
+            <a:pPr marL="800100" lvl="1" indent="-342900">
+              <a:buFont typeface="Arial" panose="020B0604020202020204" pitchFamily="34" charset="0"/>
+              <a:buChar char="•"/>
+            </a:pPr>
+            <a:endParaRPr lang="es-ES" dirty="0"/>
+          </a:p>
+          <a:p>
+            <a:pPr marL="342900" indent="-342900">
+              <a:buFont typeface="Arial" panose="020B0604020202020204" pitchFamily="34" charset="0"/>
+              <a:buChar char="•"/>
+            </a:pPr>
+            <a:endParaRPr lang="en-US" dirty="0"/>
+          </a:p>
+        </p:txBody>
+      </p:sp>
+    </p:spTree>
+    <p:extLst>
+      <p:ext uri="{BB962C8B-B14F-4D97-AF65-F5344CB8AC3E}">
+        <p14:creationId xmlns:p14="http://schemas.microsoft.com/office/powerpoint/2010/main" val="2429293115"/>
+      </p:ext>
+    </p:extLst>
+  </p:cSld>
+  <p:clrMapOvr>
+    <a:masterClrMapping/>
+  </p:clrMapOvr>
+</p:sld>
+</file>
+
+<file path=ppt/slides/slide22.xml><?xml version="1.0" encoding="utf-8"?>
+<p:sld xmlns:a="http://schemas.openxmlformats.org/drawingml/2006/main" xmlns:r="http://schemas.openxmlformats.org/officeDocument/2006/relationships" xmlns:p="http://schemas.openxmlformats.org/presentationml/2006/main">
+  <p:cSld>
+    <p:spTree>
+      <p:nvGrpSpPr>
+        <p:cNvPr id="1" name=""/>
+        <p:cNvGrpSpPr/>
+        <p:nvPr/>
+      </p:nvGrpSpPr>
+      <p:grpSpPr>
+        <a:xfrm>
+          <a:off x="0" y="0"/>
+          <a:ext cx="0" cy="0"/>
+          <a:chOff x="0" y="0"/>
+          <a:chExt cx="0" cy="0"/>
+        </a:xfrm>
+      </p:grpSpPr>
+      <p:sp>
+        <p:nvSpPr>
+          <p:cNvPr id="2" name="Title 1"/>
+          <p:cNvSpPr>
+            <a:spLocks noGrp="1"/>
+          </p:cNvSpPr>
+          <p:nvPr>
+            <p:ph type="title"/>
+          </p:nvPr>
+        </p:nvSpPr>
+        <p:spPr/>
+        <p:txBody>
+          <a:bodyPr/>
+          <a:lstStyle/>
+          <a:p>
+            <a:r>
+              <a:rPr lang="en-US" dirty="0" err="1"/>
+              <a:t>Vuex</a:t>
+            </a:r>
+            <a:r>
+              <a:rPr lang="en-US" dirty="0"/>
+              <a:t>. Flow</a:t>
+            </a:r>
+          </a:p>
+        </p:txBody>
+      </p:sp>
+      <p:sp>
+        <p:nvSpPr>
+          <p:cNvPr id="3" name="Rectangle 2"/>
+          <p:cNvSpPr/>
+          <p:nvPr/>
+        </p:nvSpPr>
+        <p:spPr>
+          <a:xfrm>
+            <a:off x="1385455" y="1690688"/>
+            <a:ext cx="7797046" cy="430887"/>
+          </a:xfrm>
+          <a:prstGeom prst="rect">
+            <a:avLst/>
+          </a:prstGeom>
+        </p:spPr>
+        <p:txBody>
+          <a:bodyPr wrap="square">
+            <a:spAutoFit/>
+          </a:bodyPr>
+          <a:lstStyle/>
+          <a:p>
+            <a:pPr marL="342900" indent="-342900">
+              <a:buFont typeface="Arial" panose="020B0604020202020204" pitchFamily="34" charset="0"/>
+              <a:buChar char="•"/>
+            </a:pPr>
+            <a:endParaRPr lang="es-ES" sz="2200" dirty="0">
+              <a:latin typeface="Segoe UI Light" panose="020B0502040204020203" pitchFamily="34" charset="0"/>
+              <a:cs typeface="Segoe UI Light" panose="020B0502040204020203" pitchFamily="34" charset="0"/>
+            </a:endParaRPr>
+          </a:p>
+        </p:txBody>
+      </p:sp>
+      <p:pic>
+        <p:nvPicPr>
+          <p:cNvPr id="5" name="Imagen 4">
+            <a:extLst>
+              <a:ext uri="{FF2B5EF4-FFF2-40B4-BE49-F238E27FC236}">
+                <a16:creationId xmlns:a16="http://schemas.microsoft.com/office/drawing/2014/main" id="{0B344CF3-2430-41B3-9763-9F3F396C526C}"/>
+              </a:ext>
+            </a:extLst>
+          </p:cNvPr>
+          <p:cNvPicPr>
+            <a:picLocks noChangeAspect="1"/>
+          </p:cNvPicPr>
+          <p:nvPr/>
+        </p:nvPicPr>
+        <p:blipFill>
+          <a:blip r:embed="rId3"/>
+          <a:stretch>
+            <a:fillRect/>
+          </a:stretch>
+        </p:blipFill>
+        <p:spPr>
+          <a:xfrm>
+            <a:off x="2047623" y="1690688"/>
+            <a:ext cx="6278229" cy="4934813"/>
+          </a:xfrm>
+          <a:prstGeom prst="rect">
+            <a:avLst/>
+          </a:prstGeom>
+        </p:spPr>
+      </p:pic>
+    </p:spTree>
+    <p:extLst>
+      <p:ext uri="{BB962C8B-B14F-4D97-AF65-F5344CB8AC3E}">
+        <p14:creationId xmlns:p14="http://schemas.microsoft.com/office/powerpoint/2010/main" val="376483709"/>
+      </p:ext>
+    </p:extLst>
+  </p:cSld>
+  <p:clrMapOvr>
+    <a:masterClrMapping/>
+  </p:clrMapOvr>
+</p:sld>
+</file>
+
+<file path=ppt/slides/slide23.xml><?xml version="1.0" encoding="utf-8"?>
+<p:sld xmlns:a="http://schemas.openxmlformats.org/drawingml/2006/main" xmlns:r="http://schemas.openxmlformats.org/officeDocument/2006/relationships" xmlns:p="http://schemas.openxmlformats.org/presentationml/2006/main">
+  <p:cSld>
+    <p:spTree>
+      <p:nvGrpSpPr>
+        <p:cNvPr id="1" name=""/>
+        <p:cNvGrpSpPr/>
+        <p:nvPr/>
+      </p:nvGrpSpPr>
+      <p:grpSpPr>
+        <a:xfrm>
+          <a:off x="0" y="0"/>
+          <a:ext cx="0" cy="0"/>
+          <a:chOff x="0" y="0"/>
+          <a:chExt cx="0" cy="0"/>
+        </a:xfrm>
+      </p:grpSpPr>
+      <p:sp>
+        <p:nvSpPr>
+          <p:cNvPr id="2" name="Title 1"/>
+          <p:cNvSpPr>
+            <a:spLocks noGrp="1"/>
+          </p:cNvSpPr>
+          <p:nvPr>
+            <p:ph type="title"/>
+          </p:nvPr>
+        </p:nvSpPr>
+        <p:spPr/>
+        <p:txBody>
+          <a:bodyPr/>
+          <a:lstStyle/>
+          <a:p>
+            <a:r>
+              <a:rPr lang="en-US" dirty="0" err="1"/>
+              <a:t>Vuex</a:t>
+            </a:r>
+            <a:r>
+              <a:rPr lang="en-US" dirty="0"/>
+              <a:t>. State</a:t>
+            </a:r>
+          </a:p>
+        </p:txBody>
+      </p:sp>
+      <p:sp>
+        <p:nvSpPr>
+          <p:cNvPr id="3" name="Rectangle 2"/>
+          <p:cNvSpPr/>
+          <p:nvPr/>
+        </p:nvSpPr>
+        <p:spPr>
+          <a:xfrm>
+            <a:off x="1385455" y="1690688"/>
+            <a:ext cx="7797046" cy="430887"/>
+          </a:xfrm>
+          <a:prstGeom prst="rect">
+            <a:avLst/>
+          </a:prstGeom>
+        </p:spPr>
+        <p:txBody>
+          <a:bodyPr wrap="square">
+            <a:spAutoFit/>
+          </a:bodyPr>
+          <a:lstStyle/>
+          <a:p>
+            <a:pPr marL="342900" indent="-342900">
+              <a:buFont typeface="Arial" panose="020B0604020202020204" pitchFamily="34" charset="0"/>
+              <a:buChar char="•"/>
+            </a:pPr>
+            <a:endParaRPr lang="es-ES" sz="2200" dirty="0">
+              <a:latin typeface="Segoe UI Light" panose="020B0502040204020203" pitchFamily="34" charset="0"/>
+              <a:cs typeface="Segoe UI Light" panose="020B0502040204020203" pitchFamily="34" charset="0"/>
+            </a:endParaRPr>
+          </a:p>
+        </p:txBody>
+      </p:sp>
+      <p:sp>
+        <p:nvSpPr>
+          <p:cNvPr id="4" name="CuadroTexto 3">
+            <a:extLst>
+              <a:ext uri="{FF2B5EF4-FFF2-40B4-BE49-F238E27FC236}">
+                <a16:creationId xmlns:a16="http://schemas.microsoft.com/office/drawing/2014/main" id="{12BA34B7-4EAC-4826-BC10-A9CDDC21DFAF}"/>
+              </a:ext>
+            </a:extLst>
+          </p:cNvPr>
+          <p:cNvSpPr txBox="1"/>
+          <p:nvPr/>
+        </p:nvSpPr>
+        <p:spPr>
+          <a:xfrm>
+            <a:off x="838199" y="1690688"/>
+            <a:ext cx="10700085" cy="1200329"/>
+          </a:xfrm>
+          <a:prstGeom prst="rect">
+            <a:avLst/>
+          </a:prstGeom>
+          <a:noFill/>
+        </p:spPr>
+        <p:txBody>
+          <a:bodyPr wrap="square" rtlCol="0">
+            <a:spAutoFit/>
+          </a:bodyPr>
+          <a:lstStyle/>
+          <a:p>
+            <a:pPr marL="342900" indent="-342900">
+              <a:buFont typeface="Arial" panose="020B0604020202020204" pitchFamily="34" charset="0"/>
+              <a:buChar char="•"/>
+            </a:pPr>
+            <a:r>
+              <a:rPr lang="es-ES" dirty="0"/>
+              <a:t>En el estado guardamos un objeto (árbol) con toda la información de la aplicación</a:t>
+            </a:r>
+          </a:p>
+          <a:p>
+            <a:pPr marL="342900" indent="-342900">
+              <a:buFont typeface="Arial" panose="020B0604020202020204" pitchFamily="34" charset="0"/>
+              <a:buChar char="•"/>
+            </a:pPr>
+            <a:r>
+              <a:rPr lang="es-ES" dirty="0"/>
+              <a:t>Este estado es la “única fuente de la verdad de la aplicación</a:t>
+            </a:r>
+          </a:p>
+          <a:p>
+            <a:pPr marL="800100" lvl="1" indent="-342900">
+              <a:buFont typeface="Arial" panose="020B0604020202020204" pitchFamily="34" charset="0"/>
+              <a:buChar char="•"/>
+            </a:pPr>
+            <a:endParaRPr lang="es-ES" dirty="0"/>
+          </a:p>
+          <a:p>
+            <a:pPr marL="342900" indent="-342900">
+              <a:buFont typeface="Arial" panose="020B0604020202020204" pitchFamily="34" charset="0"/>
+              <a:buChar char="•"/>
+            </a:pPr>
+            <a:endParaRPr lang="en-US" dirty="0"/>
+          </a:p>
+        </p:txBody>
+      </p:sp>
+      <p:pic>
+        <p:nvPicPr>
+          <p:cNvPr id="5" name="Imagen 4">
+            <a:extLst>
+              <a:ext uri="{FF2B5EF4-FFF2-40B4-BE49-F238E27FC236}">
+                <a16:creationId xmlns:a16="http://schemas.microsoft.com/office/drawing/2014/main" id="{30D11D4E-3A3B-4F55-9BCC-573DF0CCA16A}"/>
+              </a:ext>
+            </a:extLst>
+          </p:cNvPr>
+          <p:cNvPicPr>
+            <a:picLocks noChangeAspect="1"/>
+          </p:cNvPicPr>
+          <p:nvPr/>
+        </p:nvPicPr>
+        <p:blipFill>
+          <a:blip r:embed="rId3"/>
+          <a:stretch>
+            <a:fillRect/>
+          </a:stretch>
+        </p:blipFill>
+        <p:spPr>
+          <a:xfrm>
+            <a:off x="1031456" y="2420103"/>
+            <a:ext cx="4130091" cy="3934418"/>
+          </a:xfrm>
+          <a:prstGeom prst="rect">
+            <a:avLst/>
+          </a:prstGeom>
+        </p:spPr>
+      </p:pic>
+      <p:pic>
+        <p:nvPicPr>
+          <p:cNvPr id="6" name="Imagen 5">
+            <a:extLst>
+              <a:ext uri="{FF2B5EF4-FFF2-40B4-BE49-F238E27FC236}">
+                <a16:creationId xmlns:a16="http://schemas.microsoft.com/office/drawing/2014/main" id="{856D6575-8B73-4FCA-95E7-7F05C7D91D62}"/>
+              </a:ext>
+            </a:extLst>
+          </p:cNvPr>
+          <p:cNvPicPr>
+            <a:picLocks noChangeAspect="1"/>
+          </p:cNvPicPr>
+          <p:nvPr/>
+        </p:nvPicPr>
+        <p:blipFill>
+          <a:blip r:embed="rId4"/>
+          <a:stretch>
+            <a:fillRect/>
+          </a:stretch>
+        </p:blipFill>
+        <p:spPr>
+          <a:xfrm>
+            <a:off x="5480133" y="2420103"/>
+            <a:ext cx="6310307" cy="3836318"/>
+          </a:xfrm>
+          <a:prstGeom prst="rect">
+            <a:avLst/>
+          </a:prstGeom>
+        </p:spPr>
+      </p:pic>
+    </p:spTree>
+    <p:extLst>
+      <p:ext uri="{BB962C8B-B14F-4D97-AF65-F5344CB8AC3E}">
+        <p14:creationId xmlns:p14="http://schemas.microsoft.com/office/powerpoint/2010/main" val="2677138591"/>
+      </p:ext>
+    </p:extLst>
+  </p:cSld>
+  <p:clrMapOvr>
+    <a:masterClrMapping/>
+  </p:clrMapOvr>
+</p:sld>
+</file>
+
+<file path=ppt/slides/slide24.xml><?xml version="1.0" encoding="utf-8"?>
+<p:sld xmlns:a="http://schemas.openxmlformats.org/drawingml/2006/main" xmlns:r="http://schemas.openxmlformats.org/officeDocument/2006/relationships" xmlns:p="http://schemas.openxmlformats.org/presentationml/2006/main">
+  <p:cSld>
+    <p:spTree>
+      <p:nvGrpSpPr>
+        <p:cNvPr id="1" name=""/>
+        <p:cNvGrpSpPr/>
+        <p:nvPr/>
+      </p:nvGrpSpPr>
+      <p:grpSpPr>
+        <a:xfrm>
+          <a:off x="0" y="0"/>
+          <a:ext cx="0" cy="0"/>
+          <a:chOff x="0" y="0"/>
+          <a:chExt cx="0" cy="0"/>
+        </a:xfrm>
+      </p:grpSpPr>
+      <p:sp>
+        <p:nvSpPr>
+          <p:cNvPr id="2" name="Title 1"/>
+          <p:cNvSpPr>
+            <a:spLocks noGrp="1"/>
+          </p:cNvSpPr>
+          <p:nvPr>
+            <p:ph type="title"/>
+          </p:nvPr>
+        </p:nvSpPr>
+        <p:spPr/>
+        <p:txBody>
+          <a:bodyPr/>
+          <a:lstStyle/>
+          <a:p>
+            <a:r>
+              <a:rPr lang="en-US" dirty="0" err="1"/>
+              <a:t>Vuex</a:t>
+            </a:r>
+            <a:r>
+              <a:rPr lang="en-US" dirty="0"/>
+              <a:t>. Getters</a:t>
+            </a:r>
+          </a:p>
+        </p:txBody>
+      </p:sp>
+      <p:sp>
+        <p:nvSpPr>
+          <p:cNvPr id="3" name="Rectangle 2"/>
+          <p:cNvSpPr/>
+          <p:nvPr/>
+        </p:nvSpPr>
+        <p:spPr>
+          <a:xfrm>
+            <a:off x="1385455" y="1690688"/>
+            <a:ext cx="7797046" cy="430887"/>
+          </a:xfrm>
+          <a:prstGeom prst="rect">
+            <a:avLst/>
+          </a:prstGeom>
+        </p:spPr>
+        <p:txBody>
+          <a:bodyPr wrap="square">
+            <a:spAutoFit/>
+          </a:bodyPr>
+          <a:lstStyle/>
+          <a:p>
+            <a:pPr marL="342900" indent="-342900">
+              <a:buFont typeface="Arial" panose="020B0604020202020204" pitchFamily="34" charset="0"/>
+              <a:buChar char="•"/>
+            </a:pPr>
+            <a:endParaRPr lang="es-ES" sz="2200" dirty="0">
+              <a:latin typeface="Segoe UI Light" panose="020B0502040204020203" pitchFamily="34" charset="0"/>
+              <a:cs typeface="Segoe UI Light" panose="020B0502040204020203" pitchFamily="34" charset="0"/>
+            </a:endParaRPr>
+          </a:p>
+        </p:txBody>
+      </p:sp>
+      <p:sp>
+        <p:nvSpPr>
+          <p:cNvPr id="4" name="CuadroTexto 3">
+            <a:extLst>
+              <a:ext uri="{FF2B5EF4-FFF2-40B4-BE49-F238E27FC236}">
+                <a16:creationId xmlns:a16="http://schemas.microsoft.com/office/drawing/2014/main" id="{12BA34B7-4EAC-4826-BC10-A9CDDC21DFAF}"/>
+              </a:ext>
+            </a:extLst>
+          </p:cNvPr>
+          <p:cNvSpPr txBox="1"/>
+          <p:nvPr/>
+        </p:nvSpPr>
+        <p:spPr>
+          <a:xfrm>
+            <a:off x="838199" y="1690688"/>
+            <a:ext cx="4708359" cy="1754326"/>
+          </a:xfrm>
+          <a:prstGeom prst="rect">
+            <a:avLst/>
+          </a:prstGeom>
+          <a:noFill/>
+        </p:spPr>
+        <p:txBody>
+          <a:bodyPr wrap="square" rtlCol="0">
+            <a:spAutoFit/>
+          </a:bodyPr>
+          <a:lstStyle/>
+          <a:p>
+            <a:pPr marL="342900" indent="-342900">
+              <a:buFont typeface="Arial" panose="020B0604020202020204" pitchFamily="34" charset="0"/>
+              <a:buChar char="•"/>
+            </a:pPr>
+            <a:r>
+              <a:rPr lang="es-ES" dirty="0"/>
+              <a:t>Podemos ver un </a:t>
+            </a:r>
+            <a:r>
+              <a:rPr lang="es-ES" dirty="0" err="1"/>
+              <a:t>getter</a:t>
+            </a:r>
+            <a:r>
+              <a:rPr lang="es-ES" dirty="0"/>
+              <a:t> como un propiedad computada derivada del estado</a:t>
+            </a:r>
+          </a:p>
+          <a:p>
+            <a:pPr marL="342900" indent="-342900">
+              <a:buFont typeface="Arial" panose="020B0604020202020204" pitchFamily="34" charset="0"/>
+              <a:buChar char="•"/>
+            </a:pPr>
+            <a:r>
+              <a:rPr lang="es-ES" dirty="0"/>
+              <a:t>Desde los componentes podemos acceder a esta lógica sin duplicarla</a:t>
+            </a:r>
+          </a:p>
+          <a:p>
+            <a:pPr marL="800100" lvl="1" indent="-342900">
+              <a:buFont typeface="Arial" panose="020B0604020202020204" pitchFamily="34" charset="0"/>
+              <a:buChar char="•"/>
+            </a:pPr>
+            <a:endParaRPr lang="es-ES" dirty="0"/>
+          </a:p>
+          <a:p>
+            <a:pPr marL="342900" indent="-342900">
+              <a:buFont typeface="Arial" panose="020B0604020202020204" pitchFamily="34" charset="0"/>
+              <a:buChar char="•"/>
+            </a:pPr>
+            <a:endParaRPr lang="en-US" dirty="0"/>
+          </a:p>
+        </p:txBody>
+      </p:sp>
+      <p:pic>
+        <p:nvPicPr>
+          <p:cNvPr id="7" name="Imagen 6">
+            <a:extLst>
+              <a:ext uri="{FF2B5EF4-FFF2-40B4-BE49-F238E27FC236}">
+                <a16:creationId xmlns:a16="http://schemas.microsoft.com/office/drawing/2014/main" id="{16BCCF53-AEFF-4CEC-8CB8-42999CF61461}"/>
+              </a:ext>
+            </a:extLst>
+          </p:cNvPr>
+          <p:cNvPicPr>
+            <a:picLocks noChangeAspect="1"/>
+          </p:cNvPicPr>
+          <p:nvPr/>
+        </p:nvPicPr>
+        <p:blipFill>
+          <a:blip r:embed="rId3"/>
+          <a:stretch>
+            <a:fillRect/>
+          </a:stretch>
+        </p:blipFill>
+        <p:spPr>
+          <a:xfrm>
+            <a:off x="5546558" y="1778186"/>
+            <a:ext cx="6274983" cy="3641217"/>
+          </a:xfrm>
+          <a:prstGeom prst="rect">
+            <a:avLst/>
+          </a:prstGeom>
+        </p:spPr>
+      </p:pic>
+      <p:pic>
+        <p:nvPicPr>
+          <p:cNvPr id="9" name="Imagen 8">
+            <a:extLst>
+              <a:ext uri="{FF2B5EF4-FFF2-40B4-BE49-F238E27FC236}">
+                <a16:creationId xmlns:a16="http://schemas.microsoft.com/office/drawing/2014/main" id="{023D2B59-CBE7-4A05-B5CF-20227B29C096}"/>
+              </a:ext>
+            </a:extLst>
+          </p:cNvPr>
+          <p:cNvPicPr>
+            <a:picLocks noChangeAspect="1"/>
+          </p:cNvPicPr>
+          <p:nvPr/>
+        </p:nvPicPr>
+        <p:blipFill>
+          <a:blip r:embed="rId4"/>
+          <a:stretch>
+            <a:fillRect/>
+          </a:stretch>
+        </p:blipFill>
+        <p:spPr>
+          <a:xfrm>
+            <a:off x="838197" y="2876228"/>
+            <a:ext cx="4584437" cy="2886898"/>
+          </a:xfrm>
+          <a:prstGeom prst="rect">
+            <a:avLst/>
+          </a:prstGeom>
+        </p:spPr>
+      </p:pic>
+    </p:spTree>
+    <p:extLst>
+      <p:ext uri="{BB962C8B-B14F-4D97-AF65-F5344CB8AC3E}">
+        <p14:creationId xmlns:p14="http://schemas.microsoft.com/office/powerpoint/2010/main" val="143408457"/>
+      </p:ext>
+    </p:extLst>
+  </p:cSld>
+  <p:clrMapOvr>
+    <a:masterClrMapping/>
+  </p:clrMapOvr>
+</p:sld>
+</file>
+
+<file path=ppt/slides/slide25.xml><?xml version="1.0" encoding="utf-8"?>
+<p:sld xmlns:a="http://schemas.openxmlformats.org/drawingml/2006/main" xmlns:r="http://schemas.openxmlformats.org/officeDocument/2006/relationships" xmlns:p="http://schemas.openxmlformats.org/presentationml/2006/main">
+  <p:cSld>
+    <p:spTree>
+      <p:nvGrpSpPr>
+        <p:cNvPr id="1" name=""/>
+        <p:cNvGrpSpPr/>
+        <p:nvPr/>
+      </p:nvGrpSpPr>
+      <p:grpSpPr>
+        <a:xfrm>
+          <a:off x="0" y="0"/>
+          <a:ext cx="0" cy="0"/>
+          <a:chOff x="0" y="0"/>
+          <a:chExt cx="0" cy="0"/>
+        </a:xfrm>
+      </p:grpSpPr>
+      <p:sp>
+        <p:nvSpPr>
+          <p:cNvPr id="2" name="Title 1"/>
+          <p:cNvSpPr>
+            <a:spLocks noGrp="1"/>
+          </p:cNvSpPr>
+          <p:nvPr>
+            <p:ph type="title"/>
+          </p:nvPr>
+        </p:nvSpPr>
+        <p:spPr/>
+        <p:txBody>
+          <a:bodyPr/>
+          <a:lstStyle/>
+          <a:p>
+            <a:r>
+              <a:rPr lang="en-US" dirty="0" err="1"/>
+              <a:t>Vuex</a:t>
+            </a:r>
+            <a:r>
+              <a:rPr lang="en-US" dirty="0"/>
+              <a:t>. Mutations</a:t>
+            </a:r>
+          </a:p>
+        </p:txBody>
+      </p:sp>
+      <p:sp>
+        <p:nvSpPr>
+          <p:cNvPr id="3" name="Rectangle 2"/>
+          <p:cNvSpPr/>
+          <p:nvPr/>
+        </p:nvSpPr>
+        <p:spPr>
+          <a:xfrm>
+            <a:off x="1385455" y="1690688"/>
+            <a:ext cx="7797046" cy="430887"/>
+          </a:xfrm>
+          <a:prstGeom prst="rect">
+            <a:avLst/>
+          </a:prstGeom>
+        </p:spPr>
+        <p:txBody>
+          <a:bodyPr wrap="square">
+            <a:spAutoFit/>
+          </a:bodyPr>
+          <a:lstStyle/>
+          <a:p>
+            <a:pPr marL="342900" indent="-342900">
+              <a:buFont typeface="Arial" panose="020B0604020202020204" pitchFamily="34" charset="0"/>
+              <a:buChar char="•"/>
+            </a:pPr>
+            <a:endParaRPr lang="es-ES" sz="2200" dirty="0">
+              <a:latin typeface="Segoe UI Light" panose="020B0502040204020203" pitchFamily="34" charset="0"/>
+              <a:cs typeface="Segoe UI Light" panose="020B0502040204020203" pitchFamily="34" charset="0"/>
+            </a:endParaRPr>
+          </a:p>
+        </p:txBody>
+      </p:sp>
+      <p:sp>
+        <p:nvSpPr>
+          <p:cNvPr id="4" name="CuadroTexto 3">
+            <a:extLst>
+              <a:ext uri="{FF2B5EF4-FFF2-40B4-BE49-F238E27FC236}">
+                <a16:creationId xmlns:a16="http://schemas.microsoft.com/office/drawing/2014/main" id="{12BA34B7-4EAC-4826-BC10-A9CDDC21DFAF}"/>
+              </a:ext>
+            </a:extLst>
+          </p:cNvPr>
+          <p:cNvSpPr txBox="1"/>
+          <p:nvPr/>
+        </p:nvSpPr>
+        <p:spPr>
+          <a:xfrm>
+            <a:off x="838199" y="1690688"/>
+            <a:ext cx="10700085" cy="646331"/>
+          </a:xfrm>
+          <a:prstGeom prst="rect">
+            <a:avLst/>
+          </a:prstGeom>
+          <a:noFill/>
+        </p:spPr>
+        <p:txBody>
+          <a:bodyPr wrap="square" rtlCol="0">
+            <a:spAutoFit/>
+          </a:bodyPr>
+          <a:lstStyle/>
+          <a:p>
+            <a:pPr marL="800100" lvl="1" indent="-342900">
+              <a:buFont typeface="Arial" panose="020B0604020202020204" pitchFamily="34" charset="0"/>
+              <a:buChar char="•"/>
+            </a:pPr>
+            <a:endParaRPr lang="es-ES" dirty="0"/>
+          </a:p>
+          <a:p>
+            <a:pPr marL="342900" indent="-342900">
+              <a:buFont typeface="Arial" panose="020B0604020202020204" pitchFamily="34" charset="0"/>
+              <a:buChar char="•"/>
+            </a:pPr>
+            <a:endParaRPr lang="en-US" dirty="0"/>
+          </a:p>
+        </p:txBody>
+      </p:sp>
+      <p:sp>
+        <p:nvSpPr>
+          <p:cNvPr id="7" name="CuadroTexto 6">
+            <a:extLst>
+              <a:ext uri="{FF2B5EF4-FFF2-40B4-BE49-F238E27FC236}">
+                <a16:creationId xmlns:a16="http://schemas.microsoft.com/office/drawing/2014/main" id="{638D87F3-944F-449E-B677-4C667F66ED87}"/>
+              </a:ext>
+            </a:extLst>
+          </p:cNvPr>
+          <p:cNvSpPr txBox="1"/>
+          <p:nvPr/>
+        </p:nvSpPr>
+        <p:spPr>
+          <a:xfrm>
+            <a:off x="838198" y="1684923"/>
+            <a:ext cx="2999876" cy="3139321"/>
+          </a:xfrm>
+          <a:prstGeom prst="rect">
+            <a:avLst/>
+          </a:prstGeom>
+          <a:noFill/>
+        </p:spPr>
+        <p:txBody>
+          <a:bodyPr wrap="square" rtlCol="0">
+            <a:spAutoFit/>
+          </a:bodyPr>
+          <a:lstStyle/>
+          <a:p>
+            <a:pPr marL="285750" indent="-285750">
+              <a:buFont typeface="Arial" panose="020B0604020202020204" pitchFamily="34" charset="0"/>
+              <a:buChar char="•"/>
+            </a:pPr>
+            <a:r>
+              <a:rPr lang="es-ES" dirty="0"/>
+              <a:t>Los componentes no pueden cambiar directamente el estado del store sino que lo que pueden hacer es lanzar mutaciones</a:t>
+            </a:r>
+          </a:p>
+          <a:p>
+            <a:pPr marL="285750" indent="-285750">
+              <a:buFont typeface="Arial" panose="020B0604020202020204" pitchFamily="34" charset="0"/>
+              <a:buChar char="•"/>
+            </a:pPr>
+            <a:endParaRPr lang="es-ES" dirty="0"/>
+          </a:p>
+          <a:p>
+            <a:pPr marL="285750" indent="-285750">
+              <a:buFont typeface="Arial" panose="020B0604020202020204" pitchFamily="34" charset="0"/>
+              <a:buChar char="•"/>
+            </a:pPr>
+            <a:r>
+              <a:rPr lang="es-ES" dirty="0"/>
+              <a:t>Una mutación  es la única forma es que puede producir un cambio de estado en el store de </a:t>
+            </a:r>
+            <a:r>
+              <a:rPr lang="es-ES" dirty="0" err="1"/>
+              <a:t>vuex</a:t>
+            </a:r>
+            <a:endParaRPr lang="en-US" dirty="0"/>
+          </a:p>
+        </p:txBody>
+      </p:sp>
+      <p:pic>
+        <p:nvPicPr>
+          <p:cNvPr id="11" name="Imagen 10">
+            <a:extLst>
+              <a:ext uri="{FF2B5EF4-FFF2-40B4-BE49-F238E27FC236}">
+                <a16:creationId xmlns:a16="http://schemas.microsoft.com/office/drawing/2014/main" id="{D5BAAD21-80DB-4A62-8487-546C4A9CE485}"/>
+              </a:ext>
+            </a:extLst>
+          </p:cNvPr>
+          <p:cNvPicPr>
+            <a:picLocks noChangeAspect="1"/>
+          </p:cNvPicPr>
+          <p:nvPr/>
+        </p:nvPicPr>
+        <p:blipFill>
+          <a:blip r:embed="rId3"/>
+          <a:stretch>
+            <a:fillRect/>
+          </a:stretch>
+        </p:blipFill>
+        <p:spPr>
+          <a:xfrm>
+            <a:off x="4087980" y="1464350"/>
+            <a:ext cx="4905375" cy="1314450"/>
+          </a:xfrm>
+          <a:prstGeom prst="rect">
+            <a:avLst/>
+          </a:prstGeom>
+        </p:spPr>
+      </p:pic>
+      <p:pic>
+        <p:nvPicPr>
+          <p:cNvPr id="12" name="Imagen 11">
+            <a:extLst>
+              <a:ext uri="{FF2B5EF4-FFF2-40B4-BE49-F238E27FC236}">
+                <a16:creationId xmlns:a16="http://schemas.microsoft.com/office/drawing/2014/main" id="{DA5A8961-E05A-48FE-AEC7-5EC9C421A18E}"/>
+              </a:ext>
+            </a:extLst>
+          </p:cNvPr>
+          <p:cNvPicPr>
+            <a:picLocks noChangeAspect="1"/>
+          </p:cNvPicPr>
+          <p:nvPr/>
+        </p:nvPicPr>
+        <p:blipFill>
+          <a:blip r:embed="rId4"/>
+          <a:stretch>
+            <a:fillRect/>
+          </a:stretch>
+        </p:blipFill>
+        <p:spPr>
+          <a:xfrm>
+            <a:off x="4105275" y="2895600"/>
+            <a:ext cx="8086725" cy="3962400"/>
+          </a:xfrm>
+          <a:prstGeom prst="rect">
+            <a:avLst/>
+          </a:prstGeom>
+        </p:spPr>
+      </p:pic>
+    </p:spTree>
+    <p:extLst>
+      <p:ext uri="{BB962C8B-B14F-4D97-AF65-F5344CB8AC3E}">
+        <p14:creationId xmlns:p14="http://schemas.microsoft.com/office/powerpoint/2010/main" val="3529959531"/>
+      </p:ext>
+    </p:extLst>
+  </p:cSld>
+  <p:clrMapOvr>
+    <a:masterClrMapping/>
+  </p:clrMapOvr>
+</p:sld>
+</file>
+
+<file path=ppt/slides/slide26.xml><?xml version="1.0" encoding="utf-8"?>
+<p:sld xmlns:a="http://schemas.openxmlformats.org/drawingml/2006/main" xmlns:r="http://schemas.openxmlformats.org/officeDocument/2006/relationships" xmlns:p="http://schemas.openxmlformats.org/presentationml/2006/main">
+  <p:cSld>
+    <p:spTree>
+      <p:nvGrpSpPr>
+        <p:cNvPr id="1" name=""/>
+        <p:cNvGrpSpPr/>
+        <p:nvPr/>
+      </p:nvGrpSpPr>
+      <p:grpSpPr>
+        <a:xfrm>
+          <a:off x="0" y="0"/>
+          <a:ext cx="0" cy="0"/>
+          <a:chOff x="0" y="0"/>
+          <a:chExt cx="0" cy="0"/>
+        </a:xfrm>
+      </p:grpSpPr>
+      <p:sp>
+        <p:nvSpPr>
+          <p:cNvPr id="2" name="Title 1"/>
+          <p:cNvSpPr>
+            <a:spLocks noGrp="1"/>
+          </p:cNvSpPr>
+          <p:nvPr>
+            <p:ph type="title"/>
+          </p:nvPr>
+        </p:nvSpPr>
+        <p:spPr/>
+        <p:txBody>
+          <a:bodyPr/>
+          <a:lstStyle/>
+          <a:p>
+            <a:r>
+              <a:rPr lang="en-US" dirty="0" err="1"/>
+              <a:t>Vuex</a:t>
+            </a:r>
+            <a:r>
+              <a:rPr lang="en-US" dirty="0"/>
+              <a:t>. Actions</a:t>
+            </a:r>
+          </a:p>
+        </p:txBody>
+      </p:sp>
+      <p:sp>
+        <p:nvSpPr>
+          <p:cNvPr id="3" name="Rectangle 2"/>
+          <p:cNvSpPr/>
+          <p:nvPr/>
+        </p:nvSpPr>
+        <p:spPr>
+          <a:xfrm>
+            <a:off x="1385455" y="1690688"/>
+            <a:ext cx="7797046" cy="430887"/>
+          </a:xfrm>
+          <a:prstGeom prst="rect">
+            <a:avLst/>
+          </a:prstGeom>
+        </p:spPr>
+        <p:txBody>
+          <a:bodyPr wrap="square">
+            <a:spAutoFit/>
+          </a:bodyPr>
+          <a:lstStyle/>
+          <a:p>
+            <a:pPr marL="342900" indent="-342900">
+              <a:buFont typeface="Arial" panose="020B0604020202020204" pitchFamily="34" charset="0"/>
+              <a:buChar char="•"/>
+            </a:pPr>
+            <a:endParaRPr lang="es-ES" sz="2200" dirty="0">
+              <a:latin typeface="Segoe UI Light" panose="020B0502040204020203" pitchFamily="34" charset="0"/>
+              <a:cs typeface="Segoe UI Light" panose="020B0502040204020203" pitchFamily="34" charset="0"/>
+            </a:endParaRPr>
+          </a:p>
+        </p:txBody>
+      </p:sp>
+      <p:sp>
+        <p:nvSpPr>
+          <p:cNvPr id="4" name="CuadroTexto 3">
+            <a:extLst>
+              <a:ext uri="{FF2B5EF4-FFF2-40B4-BE49-F238E27FC236}">
+                <a16:creationId xmlns:a16="http://schemas.microsoft.com/office/drawing/2014/main" id="{12BA34B7-4EAC-4826-BC10-A9CDDC21DFAF}"/>
+              </a:ext>
+            </a:extLst>
+          </p:cNvPr>
+          <p:cNvSpPr txBox="1"/>
+          <p:nvPr/>
+        </p:nvSpPr>
+        <p:spPr>
+          <a:xfrm>
+            <a:off x="838199" y="1690688"/>
+            <a:ext cx="10700085" cy="646331"/>
+          </a:xfrm>
+          <a:prstGeom prst="rect">
+            <a:avLst/>
+          </a:prstGeom>
+          <a:noFill/>
+        </p:spPr>
+        <p:txBody>
+          <a:bodyPr wrap="square" rtlCol="0">
+            <a:spAutoFit/>
+          </a:bodyPr>
+          <a:lstStyle/>
+          <a:p>
+            <a:pPr marL="800100" lvl="1" indent="-342900">
+              <a:buFont typeface="Arial" panose="020B0604020202020204" pitchFamily="34" charset="0"/>
+              <a:buChar char="•"/>
+            </a:pPr>
+            <a:endParaRPr lang="es-ES" dirty="0"/>
+          </a:p>
+          <a:p>
+            <a:pPr marL="342900" indent="-342900">
+              <a:buFont typeface="Arial" panose="020B0604020202020204" pitchFamily="34" charset="0"/>
+              <a:buChar char="•"/>
+            </a:pPr>
+            <a:endParaRPr lang="en-US" dirty="0"/>
+          </a:p>
+        </p:txBody>
+      </p:sp>
+      <p:sp>
+        <p:nvSpPr>
+          <p:cNvPr id="7" name="CuadroTexto 6">
+            <a:extLst>
+              <a:ext uri="{FF2B5EF4-FFF2-40B4-BE49-F238E27FC236}">
+                <a16:creationId xmlns:a16="http://schemas.microsoft.com/office/drawing/2014/main" id="{638D87F3-944F-449E-B677-4C667F66ED87}"/>
+              </a:ext>
+            </a:extLst>
+          </p:cNvPr>
+          <p:cNvSpPr txBox="1"/>
+          <p:nvPr/>
+        </p:nvSpPr>
+        <p:spPr>
+          <a:xfrm>
+            <a:off x="838198" y="1684923"/>
+            <a:ext cx="9689434" cy="923330"/>
+          </a:xfrm>
+          <a:prstGeom prst="rect">
+            <a:avLst/>
+          </a:prstGeom>
+          <a:noFill/>
+        </p:spPr>
+        <p:txBody>
+          <a:bodyPr wrap="square" rtlCol="0">
+            <a:spAutoFit/>
+          </a:bodyPr>
+          <a:lstStyle/>
+          <a:p>
+            <a:pPr marL="285750" indent="-285750">
+              <a:buFont typeface="Arial" panose="020B0604020202020204" pitchFamily="34" charset="0"/>
+              <a:buChar char="•"/>
+            </a:pPr>
+            <a:r>
+              <a:rPr lang="es-ES" dirty="0"/>
+              <a:t>Similares a las mutaciones pero no cambian el estado sino que lanzan mutaciones</a:t>
+            </a:r>
+          </a:p>
+          <a:p>
+            <a:pPr marL="285750" indent="-285750">
+              <a:buFont typeface="Arial" panose="020B0604020202020204" pitchFamily="34" charset="0"/>
+              <a:buChar char="•"/>
+            </a:pPr>
+            <a:endParaRPr lang="es-ES" dirty="0"/>
+          </a:p>
+          <a:p>
+            <a:pPr marL="285750" indent="-285750">
+              <a:buFont typeface="Arial" panose="020B0604020202020204" pitchFamily="34" charset="0"/>
+              <a:buChar char="•"/>
+            </a:pPr>
+            <a:r>
+              <a:rPr lang="es-ES" dirty="0"/>
+              <a:t>Las acciones pueden ser asíncronas</a:t>
+            </a:r>
+            <a:endParaRPr lang="en-US" dirty="0"/>
+          </a:p>
+        </p:txBody>
+      </p:sp>
+      <p:pic>
+        <p:nvPicPr>
+          <p:cNvPr id="5" name="Imagen 4">
+            <a:extLst>
+              <a:ext uri="{FF2B5EF4-FFF2-40B4-BE49-F238E27FC236}">
+                <a16:creationId xmlns:a16="http://schemas.microsoft.com/office/drawing/2014/main" id="{FD868C6E-9939-4C1A-8014-5D68BF3BE993}"/>
+              </a:ext>
+            </a:extLst>
+          </p:cNvPr>
+          <p:cNvPicPr>
+            <a:picLocks noChangeAspect="1"/>
+          </p:cNvPicPr>
+          <p:nvPr/>
+        </p:nvPicPr>
+        <p:blipFill>
+          <a:blip r:embed="rId3"/>
+          <a:stretch>
+            <a:fillRect/>
+          </a:stretch>
+        </p:blipFill>
+        <p:spPr>
+          <a:xfrm>
+            <a:off x="983440" y="4031331"/>
+            <a:ext cx="8601075" cy="1514475"/>
+          </a:xfrm>
+          <a:prstGeom prst="rect">
+            <a:avLst/>
+          </a:prstGeom>
+        </p:spPr>
+      </p:pic>
+      <p:pic>
+        <p:nvPicPr>
+          <p:cNvPr id="6" name="Imagen 5">
+            <a:extLst>
+              <a:ext uri="{FF2B5EF4-FFF2-40B4-BE49-F238E27FC236}">
+                <a16:creationId xmlns:a16="http://schemas.microsoft.com/office/drawing/2014/main" id="{E5D122F0-F232-49E3-BF6E-5BC437FBDFF6}"/>
+              </a:ext>
+            </a:extLst>
+          </p:cNvPr>
+          <p:cNvPicPr>
+            <a:picLocks noChangeAspect="1"/>
+          </p:cNvPicPr>
+          <p:nvPr/>
+        </p:nvPicPr>
+        <p:blipFill>
+          <a:blip r:embed="rId4"/>
+          <a:stretch>
+            <a:fillRect/>
+          </a:stretch>
+        </p:blipFill>
+        <p:spPr>
+          <a:xfrm>
+            <a:off x="983440" y="2746803"/>
+            <a:ext cx="5829300" cy="1028700"/>
+          </a:xfrm>
+          <a:prstGeom prst="rect">
+            <a:avLst/>
+          </a:prstGeom>
+        </p:spPr>
+      </p:pic>
+    </p:spTree>
+    <p:extLst>
+      <p:ext uri="{BB962C8B-B14F-4D97-AF65-F5344CB8AC3E}">
+        <p14:creationId xmlns:p14="http://schemas.microsoft.com/office/powerpoint/2010/main" val="4213203747"/>
+      </p:ext>
+    </p:extLst>
+  </p:cSld>
+  <p:clrMapOvr>
+    <a:masterClrMapping/>
+  </p:clrMapOvr>
+</p:sld>
+</file>
+
+<file path=ppt/slides/slide27.xml><?xml version="1.0" encoding="utf-8"?>
+<p:sld xmlns:a="http://schemas.openxmlformats.org/drawingml/2006/main" xmlns:r="http://schemas.openxmlformats.org/officeDocument/2006/relationships" xmlns:p="http://schemas.openxmlformats.org/presentationml/2006/main">
+  <p:cSld>
+    <p:spTree>
+      <p:nvGrpSpPr>
+        <p:cNvPr id="1" name=""/>
+        <p:cNvGrpSpPr/>
+        <p:nvPr/>
+      </p:nvGrpSpPr>
+      <p:grpSpPr>
+        <a:xfrm>
+          <a:off x="0" y="0"/>
+          <a:ext cx="0" cy="0"/>
+          <a:chOff x="0" y="0"/>
+          <a:chExt cx="0" cy="0"/>
+        </a:xfrm>
+      </p:grpSpPr>
       <p:pic>
         <p:nvPicPr>
           <p:cNvPr id="3" name="Picture 2"/>
@@ -19252,127 +22688,6 @@
     <p:extLst>
       <p:ext uri="{BB962C8B-B14F-4D97-AF65-F5344CB8AC3E}">
         <p14:creationId xmlns:p14="http://schemas.microsoft.com/office/powerpoint/2010/main" val="3345879006"/>
-      </p:ext>
-    </p:extLst>
-  </p:cSld>
-  <p:clrMapOvr>
-    <a:masterClrMapping/>
-  </p:clrMapOvr>
-</p:sld>
-</file>
-
-<file path=ppt/slides/slide2.xml><?xml version="1.0" encoding="utf-8"?>
-<p:sld xmlns:a="http://schemas.openxmlformats.org/drawingml/2006/main" xmlns:r="http://schemas.openxmlformats.org/officeDocument/2006/relationships" xmlns:p="http://schemas.openxmlformats.org/presentationml/2006/main">
-  <p:cSld>
-    <p:spTree>
-      <p:nvGrpSpPr>
-        <p:cNvPr id="1" name=""/>
-        <p:cNvGrpSpPr/>
-        <p:nvPr/>
-      </p:nvGrpSpPr>
-      <p:grpSpPr>
-        <a:xfrm>
-          <a:off x="0" y="0"/>
-          <a:ext cx="0" cy="0"/>
-          <a:chOff x="0" y="0"/>
-          <a:chExt cx="0" cy="0"/>
-        </a:xfrm>
-      </p:grpSpPr>
-      <p:sp>
-        <p:nvSpPr>
-          <p:cNvPr id="2" name="Title 1"/>
-          <p:cNvSpPr>
-            <a:spLocks noGrp="1"/>
-          </p:cNvSpPr>
-          <p:nvPr>
-            <p:ph type="title"/>
-          </p:nvPr>
-        </p:nvSpPr>
-        <p:spPr/>
-        <p:txBody>
-          <a:bodyPr/>
-          <a:lstStyle/>
-          <a:p>
-            <a:r>
-              <a:rPr lang="es-ES" dirty="0"/>
-              <a:t>Objetivos</a:t>
-            </a:r>
-          </a:p>
-        </p:txBody>
-      </p:sp>
-      <p:sp>
-        <p:nvSpPr>
-          <p:cNvPr id="3" name="Content Placeholder 2"/>
-          <p:cNvSpPr>
-            <a:spLocks noGrp="1"/>
-          </p:cNvSpPr>
-          <p:nvPr>
-            <p:ph idx="1"/>
-          </p:nvPr>
-        </p:nvSpPr>
-        <p:spPr>
-          <a:xfrm>
-            <a:off x="737796" y="1806687"/>
-            <a:ext cx="10515600" cy="1425388"/>
-          </a:xfrm>
-        </p:spPr>
-        <p:txBody>
-          <a:bodyPr/>
-          <a:lstStyle/>
-          <a:p>
-            <a:endParaRPr lang="es-ES" dirty="0"/>
-          </a:p>
-          <a:p>
-            <a:r>
-              <a:rPr lang="es-ES" dirty="0"/>
-              <a:t>Entender para que sirve VUE</a:t>
-            </a:r>
-          </a:p>
-          <a:p>
-            <a:r>
-              <a:rPr lang="es-ES" dirty="0"/>
-              <a:t>Entender porque  creemos que es mejor utilizar VUE que </a:t>
-            </a:r>
-            <a:r>
-              <a:rPr lang="es-ES" dirty="0" err="1"/>
-              <a:t>Vanilla</a:t>
-            </a:r>
-            <a:r>
-              <a:rPr lang="es-ES" dirty="0"/>
-              <a:t> JS</a:t>
-            </a:r>
-          </a:p>
-          <a:p>
-            <a:r>
-              <a:rPr lang="es-ES" dirty="0"/>
-              <a:t>Comenzar a utilizar VUE</a:t>
-            </a:r>
-          </a:p>
-          <a:p>
-            <a:r>
-              <a:rPr lang="es-ES" dirty="0"/>
-              <a:t>Conocer el </a:t>
-            </a:r>
-            <a:r>
-              <a:rPr lang="es-ES" dirty="0" err="1"/>
-              <a:t>Vue</a:t>
-            </a:r>
-            <a:r>
-              <a:rPr lang="es-ES" dirty="0"/>
-              <a:t> </a:t>
-            </a:r>
-            <a:r>
-              <a:rPr lang="es-ES" dirty="0" err="1"/>
-              <a:t>Router</a:t>
-            </a:r>
-            <a:endParaRPr lang="es-ES" dirty="0"/>
-          </a:p>
-        </p:txBody>
-      </p:sp>
-    </p:spTree>
-    <p:extLst>
-      <p:ext uri="{BB962C8B-B14F-4D97-AF65-F5344CB8AC3E}">
-        <p14:creationId xmlns:p14="http://schemas.microsoft.com/office/powerpoint/2010/main" val="2959072080"/>
       </p:ext>
     </p:extLst>
   </p:cSld>
@@ -22919,15 +26234,6 @@
 </file>
 
 <file path=customXml/item1.xml><?xml version="1.0" encoding="utf-8"?>
-<?mso-contentType ?>
-<FormTemplates xmlns="http://schemas.microsoft.com/sharepoint/v3/contenttype/forms">
-  <Display>DocumentLibraryForm</Display>
-  <Edit>DocumentLibraryForm</Edit>
-  <New>DocumentLibraryForm</New>
-</FormTemplates>
-</file>
-
-<file path=customXml/item2.xml><?xml version="1.0" encoding="utf-8"?>
 <p:properties xmlns:p="http://schemas.microsoft.com/office/2006/metadata/properties" xmlns:xsi="http://www.w3.org/2001/XMLSchema-instance" xmlns:pc="http://schemas.microsoft.com/office/infopath/2007/PartnerControls">
   <documentManagement>
     <TaxCatchAll xmlns="a55c6545-c4b0-41ba-b65e-41037e7c803f"/>
@@ -22940,6 +26246,15 @@
     </SharedWithUsers>
   </documentManagement>
 </p:properties>
+</file>
+
+<file path=customXml/item2.xml><?xml version="1.0" encoding="utf-8"?>
+<?mso-contentType ?>
+<FormTemplates xmlns="http://schemas.microsoft.com/sharepoint/v3/contenttype/forms">
+  <Display>DocumentLibraryForm</Display>
+  <Edit>DocumentLibraryForm</Edit>
+  <New>DocumentLibraryForm</New>
+</FormTemplates>
 </file>
 
 <file path=customXml/item3.xml><?xml version="1.0" encoding="utf-8"?>
@@ -23114,26 +26429,26 @@
 </file>
 
 <file path=customXml/itemProps1.xml><?xml version="1.0" encoding="utf-8"?>
-<ds:datastoreItem xmlns:ds="http://schemas.openxmlformats.org/officeDocument/2006/customXml" ds:itemID="{5313EA09-C0DC-4015-ABE0-A5612D75F864}">
+<ds:datastoreItem xmlns:ds="http://schemas.openxmlformats.org/officeDocument/2006/customXml" ds:itemID="{6C60FA3A-4249-4D6E-A9A8-3B7219DF275B}">
   <ds:schemaRefs>
-    <ds:schemaRef ds:uri="http://schemas.microsoft.com/sharepoint/v3/contenttype/forms"/>
+    <ds:schemaRef ds:uri="http://purl.org/dc/dcmitype/"/>
+    <ds:schemaRef ds:uri="http://schemas.microsoft.com/office/infopath/2007/PartnerControls"/>
+    <ds:schemaRef ds:uri="a55c6545-c4b0-41ba-b65e-41037e7c803f"/>
+    <ds:schemaRef ds:uri="http://purl.org/dc/elements/1.1/"/>
+    <ds:schemaRef ds:uri="http://schemas.microsoft.com/office/2006/metadata/properties"/>
+    <ds:schemaRef ds:uri="http://schemas.microsoft.com/office/2006/documentManagement/types"/>
+    <ds:schemaRef ds:uri="b048c077-1ef5-43d8-8cbe-0087f6733556"/>
+    <ds:schemaRef ds:uri="http://purl.org/dc/terms/"/>
+    <ds:schemaRef ds:uri="http://schemas.openxmlformats.org/package/2006/metadata/core-properties"/>
+    <ds:schemaRef ds:uri="http://www.w3.org/XML/1998/namespace"/>
   </ds:schemaRefs>
 </ds:datastoreItem>
 </file>
 
 <file path=customXml/itemProps2.xml><?xml version="1.0" encoding="utf-8"?>
-<ds:datastoreItem xmlns:ds="http://schemas.openxmlformats.org/officeDocument/2006/customXml" ds:itemID="{6C60FA3A-4249-4D6E-A9A8-3B7219DF275B}">
+<ds:datastoreItem xmlns:ds="http://schemas.openxmlformats.org/officeDocument/2006/customXml" ds:itemID="{5313EA09-C0DC-4015-ABE0-A5612D75F864}">
   <ds:schemaRefs>
-    <ds:schemaRef ds:uri="a55c6545-c4b0-41ba-b65e-41037e7c803f"/>
-    <ds:schemaRef ds:uri="http://purl.org/dc/elements/1.1/"/>
-    <ds:schemaRef ds:uri="http://schemas.microsoft.com/office/2006/metadata/properties"/>
-    <ds:schemaRef ds:uri="b048c077-1ef5-43d8-8cbe-0087f6733556"/>
-    <ds:schemaRef ds:uri="http://schemas.openxmlformats.org/package/2006/metadata/core-properties"/>
-    <ds:schemaRef ds:uri="http://schemas.microsoft.com/office/2006/documentManagement/types"/>
-    <ds:schemaRef ds:uri="http://www.w3.org/XML/1998/namespace"/>
-    <ds:schemaRef ds:uri="http://schemas.microsoft.com/office/infopath/2007/PartnerControls"/>
-    <ds:schemaRef ds:uri="http://purl.org/dc/dcmitype/"/>
-    <ds:schemaRef ds:uri="http://purl.org/dc/terms/"/>
+    <ds:schemaRef ds:uri="http://schemas.microsoft.com/sharepoint/v3/contenttype/forms"/>
   </ds:schemaRefs>
 </ds:datastoreItem>
 </file>
